--- a/Presentación1.pptx
+++ b/Presentación1.pptx
@@ -3498,9 +3498,239 @@
   <p:timing>
     <p:tnLst>
       <p:par>
-        <p:cTn id="1" dur="indefinite" restart="never" nodeType="tmRoot"/>
+        <p:cTn id="1" dur="indefinite" restart="never" nodeType="tmRoot">
+          <p:childTnLst>
+            <p:seq concurrent="1" nextAc="seek">
+              <p:cTn id="2" dur="indefinite" nodeType="mainSeq">
+                <p:childTnLst>
+                  <p:par>
+                    <p:cTn id="3" fill="hold">
+                      <p:stCondLst>
+                        <p:cond delay="indefinite"/>
+                      </p:stCondLst>
+                      <p:childTnLst>
+                        <p:par>
+                          <p:cTn id="4" fill="hold">
+                            <p:stCondLst>
+                              <p:cond delay="0"/>
+                            </p:stCondLst>
+                            <p:childTnLst>
+                              <p:par>
+                                <p:cTn id="5" presetID="42" presetClass="entr" presetSubtype="0" fill="hold" grpId="0" nodeType="clickEffect">
+                                  <p:stCondLst>
+                                    <p:cond delay="0"/>
+                                  </p:stCondLst>
+                                  <p:childTnLst>
+                                    <p:set>
+                                      <p:cBhvr>
+                                        <p:cTn id="6" dur="1" fill="hold">
+                                          <p:stCondLst>
+                                            <p:cond delay="0"/>
+                                          </p:stCondLst>
+                                        </p:cTn>
+                                        <p:tgtEl>
+                                          <p:spTgt spid="9"/>
+                                        </p:tgtEl>
+                                        <p:attrNameLst>
+                                          <p:attrName>style.visibility</p:attrName>
+                                        </p:attrNameLst>
+                                      </p:cBhvr>
+                                      <p:to>
+                                        <p:strVal val="visible"/>
+                                      </p:to>
+                                    </p:set>
+                                    <p:animEffect transition="in" filter="fade">
+                                      <p:cBhvr>
+                                        <p:cTn id="7" dur="1000"/>
+                                        <p:tgtEl>
+                                          <p:spTgt spid="9"/>
+                                        </p:tgtEl>
+                                      </p:cBhvr>
+                                    </p:animEffect>
+                                    <p:anim calcmode="lin" valueType="num">
+                                      <p:cBhvr>
+                                        <p:cTn id="8" dur="1000" fill="hold"/>
+                                        <p:tgtEl>
+                                          <p:spTgt spid="9"/>
+                                        </p:tgtEl>
+                                        <p:attrNameLst>
+                                          <p:attrName>ppt_x</p:attrName>
+                                        </p:attrNameLst>
+                                      </p:cBhvr>
+                                      <p:tavLst>
+                                        <p:tav tm="0">
+                                          <p:val>
+                                            <p:strVal val="#ppt_x"/>
+                                          </p:val>
+                                        </p:tav>
+                                        <p:tav tm="100000">
+                                          <p:val>
+                                            <p:strVal val="#ppt_x"/>
+                                          </p:val>
+                                        </p:tav>
+                                      </p:tavLst>
+                                    </p:anim>
+                                    <p:anim calcmode="lin" valueType="num">
+                                      <p:cBhvr>
+                                        <p:cTn id="9" dur="1000" fill="hold"/>
+                                        <p:tgtEl>
+                                          <p:spTgt spid="9"/>
+                                        </p:tgtEl>
+                                        <p:attrNameLst>
+                                          <p:attrName>ppt_y</p:attrName>
+                                        </p:attrNameLst>
+                                      </p:cBhvr>
+                                      <p:tavLst>
+                                        <p:tav tm="0">
+                                          <p:val>
+                                            <p:strVal val="#ppt_y+.1"/>
+                                          </p:val>
+                                        </p:tav>
+                                        <p:tav tm="100000">
+                                          <p:val>
+                                            <p:strVal val="#ppt_y"/>
+                                          </p:val>
+                                        </p:tav>
+                                      </p:tavLst>
+                                    </p:anim>
+                                  </p:childTnLst>
+                                </p:cTn>
+                              </p:par>
+                              <p:par>
+                                <p:cTn id="10" presetID="31" presetClass="entr" presetSubtype="0" fill="hold" grpId="0" nodeType="withEffect">
+                                  <p:stCondLst>
+                                    <p:cond delay="0"/>
+                                  </p:stCondLst>
+                                  <p:childTnLst>
+                                    <p:set>
+                                      <p:cBhvr>
+                                        <p:cTn id="11" dur="1" fill="hold">
+                                          <p:stCondLst>
+                                            <p:cond delay="0"/>
+                                          </p:stCondLst>
+                                        </p:cTn>
+                                        <p:tgtEl>
+                                          <p:spTgt spid="2"/>
+                                        </p:tgtEl>
+                                        <p:attrNameLst>
+                                          <p:attrName>style.visibility</p:attrName>
+                                        </p:attrNameLst>
+                                      </p:cBhvr>
+                                      <p:to>
+                                        <p:strVal val="visible"/>
+                                      </p:to>
+                                    </p:set>
+                                    <p:anim calcmode="lin" valueType="num">
+                                      <p:cBhvr>
+                                        <p:cTn id="12" dur="1000" fill="hold"/>
+                                        <p:tgtEl>
+                                          <p:spTgt spid="2"/>
+                                        </p:tgtEl>
+                                        <p:attrNameLst>
+                                          <p:attrName>ppt_w</p:attrName>
+                                        </p:attrNameLst>
+                                      </p:cBhvr>
+                                      <p:tavLst>
+                                        <p:tav tm="0">
+                                          <p:val>
+                                            <p:fltVal val="0"/>
+                                          </p:val>
+                                        </p:tav>
+                                        <p:tav tm="100000">
+                                          <p:val>
+                                            <p:strVal val="#ppt_w"/>
+                                          </p:val>
+                                        </p:tav>
+                                      </p:tavLst>
+                                    </p:anim>
+                                    <p:anim calcmode="lin" valueType="num">
+                                      <p:cBhvr>
+                                        <p:cTn id="13" dur="1000" fill="hold"/>
+                                        <p:tgtEl>
+                                          <p:spTgt spid="2"/>
+                                        </p:tgtEl>
+                                        <p:attrNameLst>
+                                          <p:attrName>ppt_h</p:attrName>
+                                        </p:attrNameLst>
+                                      </p:cBhvr>
+                                      <p:tavLst>
+                                        <p:tav tm="0">
+                                          <p:val>
+                                            <p:fltVal val="0"/>
+                                          </p:val>
+                                        </p:tav>
+                                        <p:tav tm="100000">
+                                          <p:val>
+                                            <p:strVal val="#ppt_h"/>
+                                          </p:val>
+                                        </p:tav>
+                                      </p:tavLst>
+                                    </p:anim>
+                                    <p:anim calcmode="lin" valueType="num">
+                                      <p:cBhvr>
+                                        <p:cTn id="14" dur="1000" fill="hold"/>
+                                        <p:tgtEl>
+                                          <p:spTgt spid="2"/>
+                                        </p:tgtEl>
+                                        <p:attrNameLst>
+                                          <p:attrName>style.rotation</p:attrName>
+                                        </p:attrNameLst>
+                                      </p:cBhvr>
+                                      <p:tavLst>
+                                        <p:tav tm="0">
+                                          <p:val>
+                                            <p:fltVal val="90"/>
+                                          </p:val>
+                                        </p:tav>
+                                        <p:tav tm="100000">
+                                          <p:val>
+                                            <p:fltVal val="0"/>
+                                          </p:val>
+                                        </p:tav>
+                                      </p:tavLst>
+                                    </p:anim>
+                                    <p:animEffect transition="in" filter="fade">
+                                      <p:cBhvr>
+                                        <p:cTn id="15" dur="1000"/>
+                                        <p:tgtEl>
+                                          <p:spTgt spid="2"/>
+                                        </p:tgtEl>
+                                      </p:cBhvr>
+                                    </p:animEffect>
+                                  </p:childTnLst>
+                                </p:cTn>
+                              </p:par>
+                            </p:childTnLst>
+                          </p:cTn>
+                        </p:par>
+                      </p:childTnLst>
+                    </p:cTn>
+                  </p:par>
+                </p:childTnLst>
+              </p:cTn>
+              <p:prevCondLst>
+                <p:cond evt="onPrev" delay="0">
+                  <p:tgtEl>
+                    <p:sldTgt/>
+                  </p:tgtEl>
+                </p:cond>
+              </p:prevCondLst>
+              <p:nextCondLst>
+                <p:cond evt="onNext" delay="0">
+                  <p:tgtEl>
+                    <p:sldTgt/>
+                  </p:tgtEl>
+                </p:cond>
+              </p:nextCondLst>
+            </p:seq>
+          </p:childTnLst>
+        </p:cTn>
       </p:par>
     </p:tnLst>
+    <p:bldLst>
+      <p:bldP spid="9" grpId="0"/>
+      <p:bldP spid="2" grpId="0"/>
+    </p:bldLst>
   </p:timing>
 </p:sld>
 </file>

--- a/Presentación1.pptx
+++ b/Presentación1.pptx
@@ -23,9 +23,11 @@
     <p:sldId id="276" r:id="rId17"/>
     <p:sldId id="277" r:id="rId18"/>
     <p:sldId id="279" r:id="rId19"/>
-    <p:sldId id="261" r:id="rId20"/>
-    <p:sldId id="260" r:id="rId21"/>
-    <p:sldId id="280" r:id="rId22"/>
+    <p:sldId id="289" r:id="rId20"/>
+    <p:sldId id="290" r:id="rId21"/>
+    <p:sldId id="261" r:id="rId22"/>
+    <p:sldId id="260" r:id="rId23"/>
+    <p:sldId id="280" r:id="rId24"/>
   </p:sldIdLst>
   <p:sldSz cx="9144000" cy="6858000" type="screen4x3"/>
   <p:notesSz cx="6858000" cy="9144000"/>
@@ -332,7 +334,7 @@
           <a:p>
             <a:fld id="{EB2C0438-4ADC-4637-B688-53620CBCE1C9}" type="datetimeFigureOut">
               <a:rPr lang="es-ES" smtClean="0"/>
-              <a:t>05/06/2014</a:t>
+              <a:t>07/06/2014</a:t>
             </a:fld>
             <a:endParaRPr lang="es-ES"/>
           </a:p>
@@ -509,7 +511,7 @@
           <a:p>
             <a:fld id="{EB2C0438-4ADC-4637-B688-53620CBCE1C9}" type="datetimeFigureOut">
               <a:rPr lang="es-ES" smtClean="0"/>
-              <a:t>05/06/2014</a:t>
+              <a:t>07/06/2014</a:t>
             </a:fld>
             <a:endParaRPr lang="es-ES"/>
           </a:p>
@@ -707,7 +709,7 @@
           <a:p>
             <a:fld id="{EB2C0438-4ADC-4637-B688-53620CBCE1C9}" type="datetimeFigureOut">
               <a:rPr lang="es-ES" smtClean="0"/>
-              <a:t>05/06/2014</a:t>
+              <a:t>07/06/2014</a:t>
             </a:fld>
             <a:endParaRPr lang="es-ES"/>
           </a:p>
@@ -861,7 +863,7 @@
           <a:p>
             <a:fld id="{EB2C0438-4ADC-4637-B688-53620CBCE1C9}" type="datetimeFigureOut">
               <a:rPr lang="es-ES" smtClean="0"/>
-              <a:t>05/06/2014</a:t>
+              <a:t>07/06/2014</a:t>
             </a:fld>
             <a:endParaRPr lang="es-ES"/>
           </a:p>
@@ -1136,7 +1138,7 @@
           <a:p>
             <a:fld id="{EB2C0438-4ADC-4637-B688-53620CBCE1C9}" type="datetimeFigureOut">
               <a:rPr lang="es-ES" smtClean="0"/>
-              <a:t>05/06/2014</a:t>
+              <a:t>07/06/2014</a:t>
             </a:fld>
             <a:endParaRPr lang="es-ES"/>
           </a:p>
@@ -1435,7 +1437,7 @@
           <a:p>
             <a:fld id="{EB2C0438-4ADC-4637-B688-53620CBCE1C9}" type="datetimeFigureOut">
               <a:rPr lang="es-ES" smtClean="0"/>
-              <a:t>05/06/2014</a:t>
+              <a:t>07/06/2014</a:t>
             </a:fld>
             <a:endParaRPr lang="es-ES"/>
           </a:p>
@@ -1877,7 +1879,7 @@
           <a:p>
             <a:fld id="{EB2C0438-4ADC-4637-B688-53620CBCE1C9}" type="datetimeFigureOut">
               <a:rPr lang="es-ES" smtClean="0"/>
-              <a:t>05/06/2014</a:t>
+              <a:t>07/06/2014</a:t>
             </a:fld>
             <a:endParaRPr lang="es-ES"/>
           </a:p>
@@ -1984,7 +1986,7 @@
           <a:p>
             <a:fld id="{EB2C0438-4ADC-4637-B688-53620CBCE1C9}" type="datetimeFigureOut">
               <a:rPr lang="es-ES" smtClean="0"/>
-              <a:t>05/06/2014</a:t>
+              <a:t>07/06/2014</a:t>
             </a:fld>
             <a:endParaRPr lang="es-ES"/>
           </a:p>
@@ -2104,7 +2106,7 @@
           <a:p>
             <a:fld id="{EB2C0438-4ADC-4637-B688-53620CBCE1C9}" type="datetimeFigureOut">
               <a:rPr lang="es-ES" smtClean="0"/>
-              <a:t>05/06/2014</a:t>
+              <a:t>07/06/2014</a:t>
             </a:fld>
             <a:endParaRPr lang="es-ES"/>
           </a:p>
@@ -2389,7 +2391,7 @@
           <a:p>
             <a:fld id="{EB2C0438-4ADC-4637-B688-53620CBCE1C9}" type="datetimeFigureOut">
               <a:rPr lang="es-ES" smtClean="0"/>
-              <a:t>05/06/2014</a:t>
+              <a:t>07/06/2014</a:t>
             </a:fld>
             <a:endParaRPr lang="es-ES"/>
           </a:p>
@@ -2660,7 +2662,7 @@
           <a:p>
             <a:fld id="{EB2C0438-4ADC-4637-B688-53620CBCE1C9}" type="datetimeFigureOut">
               <a:rPr lang="es-ES" smtClean="0"/>
-              <a:t>05/06/2014</a:t>
+              <a:t>07/06/2014</a:t>
             </a:fld>
             <a:endParaRPr lang="es-ES"/>
           </a:p>
@@ -2883,7 +2885,7 @@
           <a:p>
             <a:fld id="{EB2C0438-4ADC-4637-B688-53620CBCE1C9}" type="datetimeFigureOut">
               <a:rPr lang="es-ES" smtClean="0"/>
-              <a:t>05/06/2014</a:t>
+              <a:t>07/06/2014</a:t>
             </a:fld>
             <a:endParaRPr lang="es-ES"/>
           </a:p>
@@ -5031,7 +5033,6 @@
               <a:rPr lang="es-ES" dirty="0"/>
               <a:t>js.com/</a:t>
             </a:r>
-            <a:endParaRPr lang="es-ES" dirty="0"/>
           </a:p>
         </p:txBody>
       </p:sp>
@@ -5560,7 +5561,6 @@
               <a:rPr lang="es-ES" dirty="0"/>
               <a:t>js.com/</a:t>
             </a:r>
-            <a:endParaRPr lang="es-ES" dirty="0"/>
           </a:p>
         </p:txBody>
       </p:sp>
@@ -6088,11 +6088,7 @@
             </a:r>
             <a:r>
               <a:rPr lang="es-ES" sz="1900" i="0" dirty="0"/>
-              <a:t>creado </a:t>
-            </a:r>
-            <a:r>
-              <a:rPr lang="es-ES" sz="1900" i="0" dirty="0"/>
-              <a:t>por </a:t>
+              <a:t>creado por </a:t>
             </a:r>
             <a:r>
               <a:rPr lang="es-ES" sz="1900" b="1" i="0" dirty="0" err="1" smtClean="0"/>
@@ -9032,50 +9028,113 @@
             <p:ph sz="half" idx="2"/>
           </p:nvPr>
         </p:nvSpPr>
-        <p:spPr/>
+        <p:spPr>
+          <a:xfrm>
+            <a:off x="733450" y="1844824"/>
+            <a:ext cx="7965132" cy="3286201"/>
+          </a:xfrm>
+        </p:spPr>
         <p:txBody>
-          <a:bodyPr/>
+          <a:bodyPr>
+            <a:normAutofit/>
+          </a:bodyPr>
           <a:lstStyle/>
           <a:p>
-            <a:endParaRPr lang="es-ES"/>
-          </a:p>
-        </p:txBody>
-      </p:sp>
-      <p:sp>
-        <p:nvSpPr>
-          <p:cNvPr id="13" name="12 Marcador de texto"/>
-          <p:cNvSpPr>
-            <a:spLocks noGrp="1"/>
-          </p:cNvSpPr>
-          <p:nvPr>
-            <p:ph type="body" sz="quarter" idx="3"/>
-          </p:nvPr>
-        </p:nvSpPr>
-        <p:spPr/>
-        <p:txBody>
-          <a:bodyPr/>
-          <a:lstStyle/>
-          <a:p>
-            <a:endParaRPr lang="es-ES"/>
-          </a:p>
-        </p:txBody>
-      </p:sp>
-      <p:sp>
-        <p:nvSpPr>
-          <p:cNvPr id="14" name="13 Marcador de contenido"/>
-          <p:cNvSpPr>
-            <a:spLocks noGrp="1"/>
-          </p:cNvSpPr>
-          <p:nvPr>
-            <p:ph sz="quarter" idx="4"/>
-          </p:nvPr>
-        </p:nvSpPr>
-        <p:spPr/>
-        <p:txBody>
-          <a:bodyPr/>
-          <a:lstStyle/>
-          <a:p>
-            <a:endParaRPr lang="es-ES"/>
+            <a:pPr marL="0" indent="0" algn="just">
+              <a:buNone/>
+            </a:pPr>
+            <a:r>
+              <a:rPr lang="es-ES" sz="2000" i="0" dirty="0" smtClean="0"/>
+              <a:t>Angular.JS es un </a:t>
+            </a:r>
+            <a:r>
+              <a:rPr lang="es-ES" sz="2000" i="0" dirty="0" err="1" smtClean="0"/>
+              <a:t>framework</a:t>
+            </a:r>
+            <a:r>
+              <a:rPr lang="es-ES" sz="2000" i="0" dirty="0" smtClean="0"/>
+              <a:t> de </a:t>
+            </a:r>
+            <a:r>
+              <a:rPr lang="es-ES" sz="2000" i="0" dirty="0" err="1" smtClean="0"/>
+              <a:t>javascript</a:t>
+            </a:r>
+            <a:r>
+              <a:rPr lang="es-ES" sz="2000" i="0" dirty="0" smtClean="0"/>
+              <a:t> para el lado cliente creado por Google, su funcionamiento consiste en agregar etiquetas propias a las de </a:t>
+            </a:r>
+            <a:r>
+              <a:rPr lang="es-ES" sz="2000" i="0" dirty="0" err="1" smtClean="0"/>
+              <a:t>html</a:t>
+            </a:r>
+            <a:r>
+              <a:rPr lang="es-ES" sz="2000" i="0" dirty="0" smtClean="0"/>
+              <a:t> para </a:t>
+            </a:r>
+            <a:r>
+              <a:rPr lang="es-ES" sz="2000" i="0" dirty="0" smtClean="0"/>
+              <a:t>obtener</a:t>
+            </a:r>
+            <a:r>
+              <a:rPr lang="es-ES" sz="2000" i="0" dirty="0" smtClean="0"/>
+              <a:t> </a:t>
+            </a:r>
+            <a:r>
+              <a:rPr lang="es-ES" sz="2000" i="0" dirty="0" smtClean="0"/>
+              <a:t>diversas </a:t>
+            </a:r>
+            <a:r>
+              <a:rPr lang="es-ES" sz="2000" i="0" dirty="0" smtClean="0"/>
+              <a:t>funcionalidades (</a:t>
+            </a:r>
+            <a:r>
+              <a:rPr lang="es-ES" sz="2000" i="0" dirty="0" err="1" smtClean="0"/>
+              <a:t>loops</a:t>
+            </a:r>
+            <a:r>
+              <a:rPr lang="es-ES" sz="2000" i="0" dirty="0" smtClean="0"/>
+              <a:t>, validaciones, uso de modelos…), de esta manera conseguimos unas vistas mucho mas ricas, lo que nos ayuda a desarrollar mucho más rápido. </a:t>
+            </a:r>
+          </a:p>
+          <a:p>
+            <a:pPr marL="0" indent="0" algn="just">
+              <a:buNone/>
+            </a:pPr>
+            <a:endParaRPr lang="es-ES" sz="2000" i="0" dirty="0" smtClean="0"/>
+          </a:p>
+          <a:p>
+            <a:pPr marL="0" indent="0" algn="just">
+              <a:buNone/>
+            </a:pPr>
+            <a:r>
+              <a:rPr lang="es-ES" sz="2000" i="0" dirty="0" smtClean="0"/>
+              <a:t>Lo vemos  en funcionamiento con el </a:t>
+            </a:r>
+            <a:r>
+              <a:rPr lang="es-ES" sz="2000" i="0" dirty="0" smtClean="0"/>
+              <a:t>ejemplo </a:t>
+            </a:r>
+            <a:r>
+              <a:rPr lang="es-ES" sz="2000" i="0" dirty="0" smtClean="0"/>
+              <a:t>de mostrar </a:t>
+            </a:r>
+            <a:r>
+              <a:rPr lang="es-ES" sz="2000" i="0" dirty="0" err="1" smtClean="0"/>
+              <a:t>posts</a:t>
+            </a:r>
+            <a:r>
+              <a:rPr lang="es-ES" sz="2000" i="0" dirty="0" smtClean="0"/>
+              <a:t> </a:t>
+            </a:r>
+            <a:r>
+              <a:rPr lang="es-ES" sz="2000" i="0" dirty="0" err="1" smtClean="0"/>
+              <a:t>denuestra</a:t>
+            </a:r>
+            <a:r>
+              <a:rPr lang="es-ES" sz="2000" i="0" dirty="0" smtClean="0"/>
+              <a:t> aplicación</a:t>
+            </a:r>
+            <a:endParaRPr lang="es-ES" sz="2000" i="0" dirty="0"/>
           </a:p>
         </p:txBody>
       </p:sp>
@@ -9159,7 +9218,7 @@
     </p:spTree>
     <p:extLst>
       <p:ext uri="{BB962C8B-B14F-4D97-AF65-F5344CB8AC3E}">
-        <p14:creationId xmlns:p14="http://schemas.microsoft.com/office/powerpoint/2010/main" val="1368235193"/>
+        <p14:creationId xmlns:p14="http://schemas.microsoft.com/office/powerpoint/2010/main" val="1220280399"/>
       </p:ext>
     </p:extLst>
   </p:cSld>
@@ -9762,6 +9821,985 @@
         </p:nvSpPr>
         <p:spPr>
           <a:xfrm>
+            <a:off x="3059832" y="0"/>
+            <a:ext cx="3312368" cy="611510"/>
+          </a:xfrm>
+        </p:spPr>
+        <p:txBody>
+          <a:bodyPr>
+            <a:noAutofit/>
+          </a:bodyPr>
+          <a:lstStyle/>
+          <a:p>
+            <a:r>
+              <a:rPr lang="es-ES" sz="3600" i="0" u="sng" dirty="0" smtClean="0">
+                <a:latin typeface="Lato Hairline" pitchFamily="34" charset="0"/>
+              </a:rPr>
+              <a:t>Angular.JS</a:t>
+            </a:r>
+            <a:endParaRPr lang="es-ES" sz="3600" i="0" u="sng" dirty="0">
+              <a:latin typeface="Lato Hairline" pitchFamily="34" charset="0"/>
+            </a:endParaRPr>
+          </a:p>
+        </p:txBody>
+      </p:sp>
+      <p:pic>
+        <p:nvPicPr>
+          <p:cNvPr id="8" name="Picture 3" descr="C:\Users\mcl\Desktop\documentacion de WUSIC\angular-js-preview1.jpg"/>
+          <p:cNvPicPr>
+            <a:picLocks noChangeAspect="1" noChangeArrowheads="1"/>
+          </p:cNvPicPr>
+          <p:nvPr/>
+        </p:nvPicPr>
+        <p:blipFill>
+          <a:blip r:embed="rId2">
+            <a:extLst>
+              <a:ext uri="{28A0092B-C50C-407E-A947-70E740481C1C}">
+                <a14:useLocalDpi xmlns:a14="http://schemas.microsoft.com/office/drawing/2010/main" val="0"/>
+              </a:ext>
+            </a:extLst>
+          </a:blip>
+          <a:srcRect/>
+          <a:stretch>
+            <a:fillRect/>
+          </a:stretch>
+        </p:blipFill>
+        <p:spPr bwMode="auto">
+          <a:xfrm>
+            <a:off x="0" y="0"/>
+            <a:ext cx="952500" cy="952500"/>
+          </a:xfrm>
+          <a:prstGeom prst="rect">
+            <a:avLst/>
+          </a:prstGeom>
+          <a:noFill/>
+          <a:extLst>
+            <a:ext uri="{909E8E84-426E-40DD-AFC4-6F175D3DCCD1}">
+              <a14:hiddenFill xmlns:a14="http://schemas.microsoft.com/office/drawing/2010/main">
+                <a:solidFill>
+                  <a:srgbClr val="FFFFFF"/>
+                </a:solidFill>
+              </a14:hiddenFill>
+            </a:ext>
+          </a:extLst>
+        </p:spPr>
+      </p:pic>
+      <p:sp>
+        <p:nvSpPr>
+          <p:cNvPr id="2" name="1 Rectángulo"/>
+          <p:cNvSpPr/>
+          <p:nvPr/>
+        </p:nvSpPr>
+        <p:spPr>
+          <a:xfrm>
+            <a:off x="3059832" y="583168"/>
+            <a:ext cx="2241319" cy="369332"/>
+          </a:xfrm>
+          <a:prstGeom prst="rect">
+            <a:avLst/>
+          </a:prstGeom>
+        </p:spPr>
+        <p:txBody>
+          <a:bodyPr wrap="none">
+            <a:spAutoFit/>
+          </a:bodyPr>
+          <a:lstStyle/>
+          <a:p>
+            <a:r>
+              <a:rPr lang="es-ES" dirty="0"/>
+              <a:t>https://</a:t>
+            </a:r>
+            <a:r>
+              <a:rPr lang="es-ES" b="1" dirty="0"/>
+              <a:t>angularjs</a:t>
+            </a:r>
+            <a:r>
+              <a:rPr lang="es-ES" dirty="0"/>
+              <a:t>.org/</a:t>
+            </a:r>
+          </a:p>
+        </p:txBody>
+      </p:sp>
+      <p:sp>
+        <p:nvSpPr>
+          <p:cNvPr id="5" name="CuadroTexto 4"/>
+          <p:cNvSpPr txBox="1"/>
+          <p:nvPr/>
+        </p:nvSpPr>
+        <p:spPr>
+          <a:xfrm>
+            <a:off x="971100" y="3885576"/>
+            <a:ext cx="7777363" cy="2585323"/>
+          </a:xfrm>
+          <a:prstGeom prst="rect">
+            <a:avLst/>
+          </a:prstGeom>
+          <a:noFill/>
+        </p:spPr>
+        <p:txBody>
+          <a:bodyPr wrap="square" rtlCol="0">
+            <a:spAutoFit/>
+          </a:bodyPr>
+          <a:lstStyle/>
+          <a:p>
+            <a:pPr algn="just"/>
+            <a:r>
+              <a:rPr lang="es-ES" dirty="0" smtClean="0"/>
+              <a:t>Esta es nuestra función de obtener post en el controlador del </a:t>
+            </a:r>
+            <a:r>
+              <a:rPr lang="es-ES" dirty="0" err="1" smtClean="0"/>
+              <a:t>main</a:t>
+            </a:r>
+            <a:r>
+              <a:rPr lang="es-ES" dirty="0" smtClean="0"/>
+              <a:t> de angular, lo primero que hacemos es declarar la variable para almacenar los post </a:t>
+            </a:r>
+            <a:r>
+              <a:rPr lang="es-ES" b="1" dirty="0" smtClean="0"/>
+              <a:t>$</a:t>
+            </a:r>
+            <a:r>
+              <a:rPr lang="es-ES" b="1" dirty="0" err="1" smtClean="0"/>
+              <a:t>scope.posts</a:t>
+            </a:r>
+            <a:r>
+              <a:rPr lang="es-ES" dirty="0" smtClean="0"/>
+              <a:t>, después le decimos que haga una petición post a la ruta /post/</a:t>
+            </a:r>
+            <a:r>
+              <a:rPr lang="es-ES" dirty="0" err="1" smtClean="0"/>
+              <a:t>obtenerPost</a:t>
+            </a:r>
+            <a:r>
+              <a:rPr lang="es-ES" dirty="0" smtClean="0"/>
+              <a:t>/, ésta tiene que esta declarada correctamente en las rutas de la aplicación (routes.js) y llamar a una función de </a:t>
+            </a:r>
+            <a:r>
+              <a:rPr lang="es-ES" dirty="0" err="1" smtClean="0"/>
+              <a:t>node</a:t>
+            </a:r>
+            <a:r>
+              <a:rPr lang="es-ES" dirty="0"/>
+              <a:t>;</a:t>
+            </a:r>
+            <a:r>
+              <a:rPr lang="es-ES" dirty="0" smtClean="0"/>
+              <a:t> a esta llamada le concatenamos el id de usuario </a:t>
+            </a:r>
+            <a:r>
+              <a:rPr lang="es-ES" b="1" dirty="0" smtClean="0"/>
+              <a:t>$scope.id</a:t>
+            </a:r>
+            <a:r>
+              <a:rPr lang="es-ES" dirty="0" smtClean="0"/>
+              <a:t>, (sacado anteriormente de la variable de sesión), para que sepa de quien tiene que obtener los </a:t>
+            </a:r>
+            <a:r>
+              <a:rPr lang="es-ES" dirty="0" err="1" smtClean="0"/>
+              <a:t>posts</a:t>
+            </a:r>
+            <a:r>
+              <a:rPr lang="es-ES" dirty="0" smtClean="0"/>
+              <a:t>, y le decimos que si la llamada es satisfactoria (</a:t>
+            </a:r>
+            <a:r>
+              <a:rPr lang="es-ES" dirty="0" err="1" smtClean="0"/>
+              <a:t>success</a:t>
+            </a:r>
+            <a:r>
+              <a:rPr lang="es-ES" dirty="0" smtClean="0"/>
+              <a:t>), guarde los </a:t>
+            </a:r>
+            <a:r>
+              <a:rPr lang="es-ES" dirty="0" err="1" smtClean="0"/>
+              <a:t>posts</a:t>
+            </a:r>
+            <a:r>
+              <a:rPr lang="es-ES" dirty="0" smtClean="0"/>
+              <a:t> (</a:t>
+            </a:r>
+            <a:r>
+              <a:rPr lang="es-ES" b="1" dirty="0" smtClean="0"/>
+              <a:t>data</a:t>
+            </a:r>
+            <a:r>
+              <a:rPr lang="es-ES" dirty="0" smtClean="0"/>
+              <a:t>), en la variable </a:t>
+            </a:r>
+            <a:r>
+              <a:rPr lang="es-ES" b="1" dirty="0" smtClean="0"/>
+              <a:t>$</a:t>
+            </a:r>
+            <a:r>
+              <a:rPr lang="es-ES" b="1" dirty="0" err="1" smtClean="0"/>
+              <a:t>scope.post</a:t>
+            </a:r>
+            <a:endParaRPr lang="es-ES" b="1" dirty="0"/>
+          </a:p>
+        </p:txBody>
+      </p:sp>
+      <p:pic>
+        <p:nvPicPr>
+          <p:cNvPr id="14" name="Imagen 13"/>
+          <p:cNvPicPr>
+            <a:picLocks noChangeAspect="1"/>
+          </p:cNvPicPr>
+          <p:nvPr/>
+        </p:nvPicPr>
+        <p:blipFill>
+          <a:blip r:embed="rId3"/>
+          <a:stretch>
+            <a:fillRect/>
+          </a:stretch>
+        </p:blipFill>
+        <p:spPr>
+          <a:xfrm>
+            <a:off x="968070" y="1137854"/>
+            <a:ext cx="4881858" cy="2562368"/>
+          </a:xfrm>
+          <a:prstGeom prst="rect">
+            <a:avLst/>
+          </a:prstGeom>
+        </p:spPr>
+      </p:pic>
+      <p:sp>
+        <p:nvSpPr>
+          <p:cNvPr id="4" name="CuadroTexto 3"/>
+          <p:cNvSpPr txBox="1"/>
+          <p:nvPr/>
+        </p:nvSpPr>
+        <p:spPr>
+          <a:xfrm>
+            <a:off x="5852959" y="1466951"/>
+            <a:ext cx="3168352" cy="646331"/>
+          </a:xfrm>
+          <a:prstGeom prst="rect">
+            <a:avLst/>
+          </a:prstGeom>
+          <a:noFill/>
+        </p:spPr>
+        <p:txBody>
+          <a:bodyPr wrap="square" rtlCol="0">
+            <a:spAutoFit/>
+          </a:bodyPr>
+          <a:lstStyle/>
+          <a:p>
+            <a:r>
+              <a:rPr lang="es-ES" dirty="0" smtClean="0"/>
+              <a:t>scripts/</a:t>
+            </a:r>
+            <a:r>
+              <a:rPr lang="es-ES" dirty="0" err="1" smtClean="0"/>
+              <a:t>controllers</a:t>
+            </a:r>
+            <a:r>
+              <a:rPr lang="es-ES" dirty="0" smtClean="0"/>
+              <a:t>/contollers.js -&gt; </a:t>
+            </a:r>
+            <a:r>
+              <a:rPr lang="es-ES" dirty="0" err="1" smtClean="0"/>
+              <a:t>mainCtrl</a:t>
+            </a:r>
+            <a:endParaRPr lang="es-ES" dirty="0"/>
+          </a:p>
+        </p:txBody>
+      </p:sp>
+    </p:spTree>
+    <p:extLst>
+      <p:ext uri="{BB962C8B-B14F-4D97-AF65-F5344CB8AC3E}">
+        <p14:creationId xmlns:p14="http://schemas.microsoft.com/office/powerpoint/2010/main" val="2739671238"/>
+      </p:ext>
+    </p:extLst>
+  </p:cSld>
+  <p:clrMapOvr>
+    <a:masterClrMapping/>
+  </p:clrMapOvr>
+  <p:timing>
+    <p:tnLst>
+      <p:par>
+        <p:cTn id="1" dur="indefinite" restart="never" nodeType="tmRoot">
+          <p:childTnLst>
+            <p:seq concurrent="1" nextAc="seek">
+              <p:cTn id="2" dur="indefinite" nodeType="mainSeq">
+                <p:childTnLst>
+                  <p:par>
+                    <p:cTn id="3" fill="hold">
+                      <p:stCondLst>
+                        <p:cond delay="indefinite"/>
+                      </p:stCondLst>
+                      <p:childTnLst>
+                        <p:par>
+                          <p:cTn id="4" fill="hold">
+                            <p:stCondLst>
+                              <p:cond delay="0"/>
+                            </p:stCondLst>
+                            <p:childTnLst>
+                              <p:par>
+                                <p:cTn id="5" presetID="53" presetClass="entr" presetSubtype="16" fill="hold" nodeType="clickEffect">
+                                  <p:stCondLst>
+                                    <p:cond delay="0"/>
+                                  </p:stCondLst>
+                                  <p:childTnLst>
+                                    <p:set>
+                                      <p:cBhvr>
+                                        <p:cTn id="6" dur="1" fill="hold">
+                                          <p:stCondLst>
+                                            <p:cond delay="0"/>
+                                          </p:stCondLst>
+                                        </p:cTn>
+                                        <p:tgtEl>
+                                          <p:spTgt spid="8"/>
+                                        </p:tgtEl>
+                                        <p:attrNameLst>
+                                          <p:attrName>style.visibility</p:attrName>
+                                        </p:attrNameLst>
+                                      </p:cBhvr>
+                                      <p:to>
+                                        <p:strVal val="visible"/>
+                                      </p:to>
+                                    </p:set>
+                                    <p:anim calcmode="lin" valueType="num">
+                                      <p:cBhvr>
+                                        <p:cTn id="7" dur="500" fill="hold"/>
+                                        <p:tgtEl>
+                                          <p:spTgt spid="8"/>
+                                        </p:tgtEl>
+                                        <p:attrNameLst>
+                                          <p:attrName>ppt_w</p:attrName>
+                                        </p:attrNameLst>
+                                      </p:cBhvr>
+                                      <p:tavLst>
+                                        <p:tav tm="0">
+                                          <p:val>
+                                            <p:fltVal val="0"/>
+                                          </p:val>
+                                        </p:tav>
+                                        <p:tav tm="100000">
+                                          <p:val>
+                                            <p:strVal val="#ppt_w"/>
+                                          </p:val>
+                                        </p:tav>
+                                      </p:tavLst>
+                                    </p:anim>
+                                    <p:anim calcmode="lin" valueType="num">
+                                      <p:cBhvr>
+                                        <p:cTn id="8" dur="500" fill="hold"/>
+                                        <p:tgtEl>
+                                          <p:spTgt spid="8"/>
+                                        </p:tgtEl>
+                                        <p:attrNameLst>
+                                          <p:attrName>ppt_h</p:attrName>
+                                        </p:attrNameLst>
+                                      </p:cBhvr>
+                                      <p:tavLst>
+                                        <p:tav tm="0">
+                                          <p:val>
+                                            <p:fltVal val="0"/>
+                                          </p:val>
+                                        </p:tav>
+                                        <p:tav tm="100000">
+                                          <p:val>
+                                            <p:strVal val="#ppt_h"/>
+                                          </p:val>
+                                        </p:tav>
+                                      </p:tavLst>
+                                    </p:anim>
+                                    <p:animEffect transition="in" filter="fade">
+                                      <p:cBhvr>
+                                        <p:cTn id="9" dur="500"/>
+                                        <p:tgtEl>
+                                          <p:spTgt spid="8"/>
+                                        </p:tgtEl>
+                                      </p:cBhvr>
+                                    </p:animEffect>
+                                  </p:childTnLst>
+                                </p:cTn>
+                              </p:par>
+                            </p:childTnLst>
+                          </p:cTn>
+                        </p:par>
+                      </p:childTnLst>
+                    </p:cTn>
+                  </p:par>
+                </p:childTnLst>
+              </p:cTn>
+              <p:prevCondLst>
+                <p:cond evt="onPrev" delay="0">
+                  <p:tgtEl>
+                    <p:sldTgt/>
+                  </p:tgtEl>
+                </p:cond>
+              </p:prevCondLst>
+              <p:nextCondLst>
+                <p:cond evt="onNext" delay="0">
+                  <p:tgtEl>
+                    <p:sldTgt/>
+                  </p:tgtEl>
+                </p:cond>
+              </p:nextCondLst>
+            </p:seq>
+          </p:childTnLst>
+        </p:cTn>
+      </p:par>
+    </p:tnLst>
+  </p:timing>
+</p:sld>
+</file>
+
+<file path=ppt/slides/slide21.xml><?xml version="1.0" encoding="utf-8"?>
+<p:sld xmlns:a="http://schemas.openxmlformats.org/drawingml/2006/main" xmlns:r="http://schemas.openxmlformats.org/officeDocument/2006/relationships" xmlns:p="http://schemas.openxmlformats.org/presentationml/2006/main">
+  <p:cSld>
+    <p:spTree>
+      <p:nvGrpSpPr>
+        <p:cNvPr id="1" name=""/>
+        <p:cNvGrpSpPr/>
+        <p:nvPr/>
+      </p:nvGrpSpPr>
+      <p:grpSpPr>
+        <a:xfrm>
+          <a:off x="0" y="0"/>
+          <a:ext cx="0" cy="0"/>
+          <a:chOff x="0" y="0"/>
+          <a:chExt cx="0" cy="0"/>
+        </a:xfrm>
+      </p:grpSpPr>
+      <p:sp>
+        <p:nvSpPr>
+          <p:cNvPr id="10" name="9 Título"/>
+          <p:cNvSpPr>
+            <a:spLocks noGrp="1"/>
+          </p:cNvSpPr>
+          <p:nvPr>
+            <p:ph type="title"/>
+          </p:nvPr>
+        </p:nvSpPr>
+        <p:spPr>
+          <a:xfrm>
+            <a:off x="7884368" y="0"/>
+            <a:ext cx="1259632" cy="476250"/>
+          </a:xfrm>
+        </p:spPr>
+        <p:txBody>
+          <a:bodyPr>
+            <a:noAutofit/>
+          </a:bodyPr>
+          <a:lstStyle/>
+          <a:p>
+            <a:r>
+              <a:rPr lang="es-ES" sz="2000" dirty="0" err="1" smtClean="0">
+                <a:latin typeface="Lato Hairline" pitchFamily="34" charset="0"/>
+              </a:rPr>
+              <a:t>WusicK</a:t>
+            </a:r>
+            <a:endParaRPr lang="es-ES" sz="2000" dirty="0">
+              <a:latin typeface="Lato Hairline" pitchFamily="34" charset="0"/>
+            </a:endParaRPr>
+          </a:p>
+        </p:txBody>
+      </p:sp>
+      <p:sp>
+        <p:nvSpPr>
+          <p:cNvPr id="11" name="10 Marcador de texto"/>
+          <p:cNvSpPr>
+            <a:spLocks noGrp="1"/>
+          </p:cNvSpPr>
+          <p:nvPr>
+            <p:ph type="body" idx="1"/>
+          </p:nvPr>
+        </p:nvSpPr>
+        <p:spPr>
+          <a:xfrm>
+            <a:off x="3059832" y="0"/>
+            <a:ext cx="3312368" cy="611510"/>
+          </a:xfrm>
+        </p:spPr>
+        <p:txBody>
+          <a:bodyPr>
+            <a:noAutofit/>
+          </a:bodyPr>
+          <a:lstStyle/>
+          <a:p>
+            <a:r>
+              <a:rPr lang="es-ES" sz="3600" i="0" u="sng" dirty="0" smtClean="0">
+                <a:latin typeface="Lato Hairline" pitchFamily="34" charset="0"/>
+              </a:rPr>
+              <a:t>Angular.JS</a:t>
+            </a:r>
+            <a:endParaRPr lang="es-ES" sz="3600" i="0" u="sng" dirty="0">
+              <a:latin typeface="Lato Hairline" pitchFamily="34" charset="0"/>
+            </a:endParaRPr>
+          </a:p>
+        </p:txBody>
+      </p:sp>
+      <p:sp>
+        <p:nvSpPr>
+          <p:cNvPr id="12" name="11 Marcador de contenido"/>
+          <p:cNvSpPr>
+            <a:spLocks noGrp="1"/>
+          </p:cNvSpPr>
+          <p:nvPr>
+            <p:ph sz="half" idx="2"/>
+          </p:nvPr>
+        </p:nvSpPr>
+        <p:spPr>
+          <a:xfrm>
+            <a:off x="733450" y="3975101"/>
+            <a:ext cx="7965132" cy="2882899"/>
+          </a:xfrm>
+        </p:spPr>
+        <p:txBody>
+          <a:bodyPr/>
+          <a:lstStyle/>
+          <a:p>
+            <a:pPr marL="0" indent="0" algn="just">
+              <a:buNone/>
+            </a:pPr>
+            <a:r>
+              <a:rPr lang="es-ES" i="0" dirty="0" smtClean="0"/>
+              <a:t>Ahora en nuestra vista del </a:t>
+            </a:r>
+            <a:r>
+              <a:rPr lang="es-ES" i="0" dirty="0" err="1" smtClean="0"/>
+              <a:t>main</a:t>
+            </a:r>
+            <a:r>
+              <a:rPr lang="es-ES" i="0" dirty="0" smtClean="0"/>
+              <a:t> definimos una lista, y a través de la etiqueta de angular </a:t>
+            </a:r>
+            <a:r>
+              <a:rPr lang="es-ES" b="1" i="0" dirty="0" err="1" smtClean="0"/>
+              <a:t>ng</a:t>
+            </a:r>
+            <a:r>
+              <a:rPr lang="es-ES" b="1" i="0" dirty="0" err="1" smtClean="0"/>
+              <a:t>-repeat</a:t>
+            </a:r>
+            <a:r>
+              <a:rPr lang="es-ES" i="0" dirty="0" smtClean="0"/>
+              <a:t>, recorremos la variable </a:t>
+            </a:r>
+            <a:r>
+              <a:rPr lang="es-ES" i="0" dirty="0" err="1" smtClean="0"/>
+              <a:t>posts</a:t>
+            </a:r>
+            <a:r>
+              <a:rPr lang="es-ES" i="0" dirty="0" smtClean="0"/>
+              <a:t> devuelta desde el controlador  que contiene los </a:t>
+            </a:r>
+            <a:r>
+              <a:rPr lang="es-ES" i="0" dirty="0" err="1" smtClean="0"/>
+              <a:t>posts</a:t>
+            </a:r>
+            <a:r>
+              <a:rPr lang="es-ES" i="0" dirty="0" smtClean="0"/>
+              <a:t> para cada usuario (</a:t>
+            </a:r>
+            <a:r>
+              <a:rPr lang="es-ES" i="0" dirty="0" err="1" smtClean="0"/>
+              <a:t>ng-repeat</a:t>
+            </a:r>
+            <a:r>
+              <a:rPr lang="es-ES" i="0" dirty="0" smtClean="0"/>
+              <a:t>=“post in </a:t>
+            </a:r>
+            <a:r>
+              <a:rPr lang="es-ES" i="0" dirty="0" err="1" smtClean="0"/>
+              <a:t>posts</a:t>
+            </a:r>
+            <a:r>
+              <a:rPr lang="es-ES" i="0" dirty="0" smtClean="0"/>
+              <a:t>”). </a:t>
+            </a:r>
+            <a:endParaRPr lang="es-ES" i="0" dirty="0"/>
+          </a:p>
+          <a:p>
+            <a:pPr marL="0" indent="0" algn="just">
+              <a:buNone/>
+            </a:pPr>
+            <a:r>
+              <a:rPr lang="es-ES" i="0" dirty="0" smtClean="0"/>
+              <a:t>Para terminar, lo que haremos será colocar los campos obtenidos de cada post donde necesitemos, con las etiquetas propias de angular de doble paréntesis:</a:t>
+            </a:r>
+          </a:p>
+          <a:p>
+            <a:pPr marL="0" indent="0" algn="just">
+              <a:buNone/>
+            </a:pPr>
+            <a:r>
+              <a:rPr lang="es-ES" i="0" dirty="0" smtClean="0"/>
+              <a:t>{{</a:t>
+            </a:r>
+            <a:r>
+              <a:rPr lang="es-ES" i="0" dirty="0" err="1" smtClean="0"/>
+              <a:t>post.nombre</a:t>
+            </a:r>
+            <a:r>
+              <a:rPr lang="es-ES" i="0" dirty="0" smtClean="0"/>
+              <a:t>}}  {{</a:t>
+            </a:r>
+            <a:r>
+              <a:rPr lang="es-ES" i="0" dirty="0" err="1" smtClean="0"/>
+              <a:t>post.fecha</a:t>
+            </a:r>
+            <a:r>
+              <a:rPr lang="es-ES" i="0" dirty="0" smtClean="0"/>
+              <a:t>}} {{</a:t>
+            </a:r>
+            <a:r>
+              <a:rPr lang="es-ES" i="0" dirty="0" err="1" smtClean="0"/>
+              <a:t>post.contenido</a:t>
+            </a:r>
+            <a:r>
+              <a:rPr lang="es-ES" i="0" smtClean="0"/>
+              <a:t>}} …</a:t>
+            </a:r>
+            <a:endParaRPr lang="es-ES" i="0" dirty="0" smtClean="0"/>
+          </a:p>
+          <a:p>
+            <a:pPr marL="0" indent="0">
+              <a:buNone/>
+            </a:pPr>
+            <a:endParaRPr lang="es-ES" i="0" dirty="0"/>
+          </a:p>
+        </p:txBody>
+      </p:sp>
+      <p:pic>
+        <p:nvPicPr>
+          <p:cNvPr id="8" name="Picture 3" descr="C:\Users\mcl\Desktop\documentacion de WUSIC\angular-js-preview1.jpg"/>
+          <p:cNvPicPr>
+            <a:picLocks noChangeAspect="1" noChangeArrowheads="1"/>
+          </p:cNvPicPr>
+          <p:nvPr/>
+        </p:nvPicPr>
+        <p:blipFill>
+          <a:blip r:embed="rId2">
+            <a:extLst>
+              <a:ext uri="{28A0092B-C50C-407E-A947-70E740481C1C}">
+                <a14:useLocalDpi xmlns:a14="http://schemas.microsoft.com/office/drawing/2010/main" val="0"/>
+              </a:ext>
+            </a:extLst>
+          </a:blip>
+          <a:srcRect/>
+          <a:stretch>
+            <a:fillRect/>
+          </a:stretch>
+        </p:blipFill>
+        <p:spPr bwMode="auto">
+          <a:xfrm>
+            <a:off x="0" y="0"/>
+            <a:ext cx="952500" cy="952500"/>
+          </a:xfrm>
+          <a:prstGeom prst="rect">
+            <a:avLst/>
+          </a:prstGeom>
+          <a:noFill/>
+          <a:extLst>
+            <a:ext uri="{909E8E84-426E-40DD-AFC4-6F175D3DCCD1}">
+              <a14:hiddenFill xmlns:a14="http://schemas.microsoft.com/office/drawing/2010/main">
+                <a:solidFill>
+                  <a:srgbClr val="FFFFFF"/>
+                </a:solidFill>
+              </a14:hiddenFill>
+            </a:ext>
+          </a:extLst>
+        </p:spPr>
+      </p:pic>
+      <p:sp>
+        <p:nvSpPr>
+          <p:cNvPr id="2" name="1 Rectángulo"/>
+          <p:cNvSpPr/>
+          <p:nvPr/>
+        </p:nvSpPr>
+        <p:spPr>
+          <a:xfrm>
+            <a:off x="3059832" y="583168"/>
+            <a:ext cx="2241319" cy="369332"/>
+          </a:xfrm>
+          <a:prstGeom prst="rect">
+            <a:avLst/>
+          </a:prstGeom>
+        </p:spPr>
+        <p:txBody>
+          <a:bodyPr wrap="none">
+            <a:spAutoFit/>
+          </a:bodyPr>
+          <a:lstStyle/>
+          <a:p>
+            <a:r>
+              <a:rPr lang="es-ES" dirty="0"/>
+              <a:t>https://</a:t>
+            </a:r>
+            <a:r>
+              <a:rPr lang="es-ES" b="1" dirty="0"/>
+              <a:t>angularjs</a:t>
+            </a:r>
+            <a:r>
+              <a:rPr lang="es-ES" dirty="0"/>
+              <a:t>.org/</a:t>
+            </a:r>
+          </a:p>
+        </p:txBody>
+      </p:sp>
+      <p:pic>
+        <p:nvPicPr>
+          <p:cNvPr id="9" name="Imagen 8"/>
+          <p:cNvPicPr>
+            <a:picLocks noChangeAspect="1"/>
+          </p:cNvPicPr>
+          <p:nvPr/>
+        </p:nvPicPr>
+        <p:blipFill>
+          <a:blip r:embed="rId3"/>
+          <a:stretch>
+            <a:fillRect/>
+          </a:stretch>
+        </p:blipFill>
+        <p:spPr>
+          <a:xfrm>
+            <a:off x="952500" y="1330965"/>
+            <a:ext cx="6299498" cy="2441825"/>
+          </a:xfrm>
+          <a:prstGeom prst="rect">
+            <a:avLst/>
+          </a:prstGeom>
+        </p:spPr>
+      </p:pic>
+      <p:sp>
+        <p:nvSpPr>
+          <p:cNvPr id="13" name="CuadroTexto 12"/>
+          <p:cNvSpPr txBox="1"/>
+          <p:nvPr/>
+        </p:nvSpPr>
+        <p:spPr>
+          <a:xfrm>
+            <a:off x="7272867" y="1162138"/>
+            <a:ext cx="2232248" cy="369332"/>
+          </a:xfrm>
+          <a:prstGeom prst="rect">
+            <a:avLst/>
+          </a:prstGeom>
+          <a:noFill/>
+        </p:spPr>
+        <p:txBody>
+          <a:bodyPr wrap="square" rtlCol="0">
+            <a:spAutoFit/>
+          </a:bodyPr>
+          <a:lstStyle/>
+          <a:p>
+            <a:r>
+              <a:rPr lang="es-ES" dirty="0" smtClean="0"/>
+              <a:t>main.html  (vista)</a:t>
+            </a:r>
+            <a:endParaRPr lang="es-ES" dirty="0"/>
+          </a:p>
+        </p:txBody>
+      </p:sp>
+    </p:spTree>
+    <p:extLst>
+      <p:ext uri="{BB962C8B-B14F-4D97-AF65-F5344CB8AC3E}">
+        <p14:creationId xmlns:p14="http://schemas.microsoft.com/office/powerpoint/2010/main" val="1368235193"/>
+      </p:ext>
+    </p:extLst>
+  </p:cSld>
+  <p:clrMapOvr>
+    <a:masterClrMapping/>
+  </p:clrMapOvr>
+  <p:timing>
+    <p:tnLst>
+      <p:par>
+        <p:cTn id="1" dur="indefinite" restart="never" nodeType="tmRoot">
+          <p:childTnLst>
+            <p:seq concurrent="1" nextAc="seek">
+              <p:cTn id="2" dur="indefinite" nodeType="mainSeq">
+                <p:childTnLst>
+                  <p:par>
+                    <p:cTn id="3" fill="hold">
+                      <p:stCondLst>
+                        <p:cond delay="indefinite"/>
+                      </p:stCondLst>
+                      <p:childTnLst>
+                        <p:par>
+                          <p:cTn id="4" fill="hold">
+                            <p:stCondLst>
+                              <p:cond delay="0"/>
+                            </p:stCondLst>
+                            <p:childTnLst>
+                              <p:par>
+                                <p:cTn id="5" presetID="53" presetClass="entr" presetSubtype="16" fill="hold" nodeType="clickEffect">
+                                  <p:stCondLst>
+                                    <p:cond delay="0"/>
+                                  </p:stCondLst>
+                                  <p:childTnLst>
+                                    <p:set>
+                                      <p:cBhvr>
+                                        <p:cTn id="6" dur="1" fill="hold">
+                                          <p:stCondLst>
+                                            <p:cond delay="0"/>
+                                          </p:stCondLst>
+                                        </p:cTn>
+                                        <p:tgtEl>
+                                          <p:spTgt spid="8"/>
+                                        </p:tgtEl>
+                                        <p:attrNameLst>
+                                          <p:attrName>style.visibility</p:attrName>
+                                        </p:attrNameLst>
+                                      </p:cBhvr>
+                                      <p:to>
+                                        <p:strVal val="visible"/>
+                                      </p:to>
+                                    </p:set>
+                                    <p:anim calcmode="lin" valueType="num">
+                                      <p:cBhvr>
+                                        <p:cTn id="7" dur="500" fill="hold"/>
+                                        <p:tgtEl>
+                                          <p:spTgt spid="8"/>
+                                        </p:tgtEl>
+                                        <p:attrNameLst>
+                                          <p:attrName>ppt_w</p:attrName>
+                                        </p:attrNameLst>
+                                      </p:cBhvr>
+                                      <p:tavLst>
+                                        <p:tav tm="0">
+                                          <p:val>
+                                            <p:fltVal val="0"/>
+                                          </p:val>
+                                        </p:tav>
+                                        <p:tav tm="100000">
+                                          <p:val>
+                                            <p:strVal val="#ppt_w"/>
+                                          </p:val>
+                                        </p:tav>
+                                      </p:tavLst>
+                                    </p:anim>
+                                    <p:anim calcmode="lin" valueType="num">
+                                      <p:cBhvr>
+                                        <p:cTn id="8" dur="500" fill="hold"/>
+                                        <p:tgtEl>
+                                          <p:spTgt spid="8"/>
+                                        </p:tgtEl>
+                                        <p:attrNameLst>
+                                          <p:attrName>ppt_h</p:attrName>
+                                        </p:attrNameLst>
+                                      </p:cBhvr>
+                                      <p:tavLst>
+                                        <p:tav tm="0">
+                                          <p:val>
+                                            <p:fltVal val="0"/>
+                                          </p:val>
+                                        </p:tav>
+                                        <p:tav tm="100000">
+                                          <p:val>
+                                            <p:strVal val="#ppt_h"/>
+                                          </p:val>
+                                        </p:tav>
+                                      </p:tavLst>
+                                    </p:anim>
+                                    <p:animEffect transition="in" filter="fade">
+                                      <p:cBhvr>
+                                        <p:cTn id="9" dur="500"/>
+                                        <p:tgtEl>
+                                          <p:spTgt spid="8"/>
+                                        </p:tgtEl>
+                                      </p:cBhvr>
+                                    </p:animEffect>
+                                  </p:childTnLst>
+                                </p:cTn>
+                              </p:par>
+                            </p:childTnLst>
+                          </p:cTn>
+                        </p:par>
+                      </p:childTnLst>
+                    </p:cTn>
+                  </p:par>
+                </p:childTnLst>
+              </p:cTn>
+              <p:prevCondLst>
+                <p:cond evt="onPrev" delay="0">
+                  <p:tgtEl>
+                    <p:sldTgt/>
+                  </p:tgtEl>
+                </p:cond>
+              </p:prevCondLst>
+              <p:nextCondLst>
+                <p:cond evt="onNext" delay="0">
+                  <p:tgtEl>
+                    <p:sldTgt/>
+                  </p:tgtEl>
+                </p:cond>
+              </p:nextCondLst>
+            </p:seq>
+          </p:childTnLst>
+        </p:cTn>
+      </p:par>
+    </p:tnLst>
+  </p:timing>
+</p:sld>
+</file>
+
+<file path=ppt/slides/slide22.xml><?xml version="1.0" encoding="utf-8"?>
+<p:sld xmlns:a="http://schemas.openxmlformats.org/drawingml/2006/main" xmlns:r="http://schemas.openxmlformats.org/officeDocument/2006/relationships" xmlns:p="http://schemas.openxmlformats.org/presentationml/2006/main">
+  <p:cSld>
+    <p:spTree>
+      <p:nvGrpSpPr>
+        <p:cNvPr id="1" name=""/>
+        <p:cNvGrpSpPr/>
+        <p:nvPr/>
+      </p:nvGrpSpPr>
+      <p:grpSpPr>
+        <a:xfrm>
+          <a:off x="0" y="0"/>
+          <a:ext cx="0" cy="0"/>
+          <a:chOff x="0" y="0"/>
+          <a:chExt cx="0" cy="0"/>
+        </a:xfrm>
+      </p:grpSpPr>
+      <p:sp>
+        <p:nvSpPr>
+          <p:cNvPr id="10" name="9 Título"/>
+          <p:cNvSpPr>
+            <a:spLocks noGrp="1"/>
+          </p:cNvSpPr>
+          <p:nvPr>
+            <p:ph type="title"/>
+          </p:nvPr>
+        </p:nvSpPr>
+        <p:spPr>
+          <a:xfrm>
+            <a:off x="7884368" y="0"/>
+            <a:ext cx="1259632" cy="476250"/>
+          </a:xfrm>
+        </p:spPr>
+        <p:txBody>
+          <a:bodyPr>
+            <a:noAutofit/>
+          </a:bodyPr>
+          <a:lstStyle/>
+          <a:p>
+            <a:r>
+              <a:rPr lang="es-ES" sz="2000" dirty="0" err="1" smtClean="0">
+                <a:latin typeface="Lato Hairline" pitchFamily="34" charset="0"/>
+              </a:rPr>
+              <a:t>WusicK</a:t>
+            </a:r>
+            <a:endParaRPr lang="es-ES" sz="2000" dirty="0">
+              <a:latin typeface="Lato Hairline" pitchFamily="34" charset="0"/>
+            </a:endParaRPr>
+          </a:p>
+        </p:txBody>
+      </p:sp>
+      <p:sp>
+        <p:nvSpPr>
+          <p:cNvPr id="11" name="10 Marcador de texto"/>
+          <p:cNvSpPr>
+            <a:spLocks noGrp="1"/>
+          </p:cNvSpPr>
+          <p:nvPr>
+            <p:ph type="body" idx="1"/>
+          </p:nvPr>
+        </p:nvSpPr>
+        <p:spPr>
+          <a:xfrm>
             <a:off x="3287276" y="0"/>
             <a:ext cx="2232248" cy="611510"/>
           </a:xfrm>
@@ -9807,11 +10845,7 @@
           <a:p>
             <a:r>
               <a:rPr lang="es-ES" dirty="0" smtClean="0"/>
-              <a:t>http://</a:t>
-            </a:r>
-            <a:r>
-              <a:rPr lang="es-ES" dirty="0" smtClean="0"/>
-              <a:t>get</a:t>
+              <a:t>http://get</a:t>
             </a:r>
             <a:r>
               <a:rPr lang="es-ES" b="1" dirty="0" smtClean="0"/>
@@ -9911,7 +10945,11 @@
             </a:r>
             <a:r>
               <a:rPr lang="es-ES" sz="1900" i="0" dirty="0" smtClean="0"/>
-              <a:t> cuenta con su propia API con la que poder guiarnos a la hora de diseñar.</a:t>
+              <a:t> cuenta con su propia API con la que poder guiarnos a la hora de diseñar</a:t>
+            </a:r>
+            <a:r>
+              <a:rPr lang="es-ES" sz="1900" i="0" dirty="0" smtClean="0"/>
+              <a:t>. Vemos un pequeño ejemplo en nuestra aplicación</a:t>
             </a:r>
             <a:endParaRPr lang="es-ES" i="0" dirty="0">
               <a:latin typeface="Lato Light" pitchFamily="34" charset="0"/>
@@ -9921,7 +10959,7 @@
       </p:sp>
       <p:pic>
         <p:nvPicPr>
-          <p:cNvPr id="3" name="Imagen 2"/>
+          <p:cNvPr id="5" name="Imagen 4"/>
           <p:cNvPicPr>
             <a:picLocks noChangeAspect="1"/>
           </p:cNvPicPr>
@@ -9935,14 +10973,112 @@
         </p:blipFill>
         <p:spPr>
           <a:xfrm>
-            <a:off x="2383806" y="2924944"/>
-            <a:ext cx="4507149" cy="3478939"/>
+            <a:off x="823490" y="2943864"/>
+            <a:ext cx="7560963" cy="695261"/>
           </a:xfrm>
           <a:prstGeom prst="rect">
             <a:avLst/>
           </a:prstGeom>
         </p:spPr>
       </p:pic>
+      <p:pic>
+        <p:nvPicPr>
+          <p:cNvPr id="6" name="Imagen 5"/>
+          <p:cNvPicPr>
+            <a:picLocks noChangeAspect="1"/>
+          </p:cNvPicPr>
+          <p:nvPr/>
+        </p:nvPicPr>
+        <p:blipFill>
+          <a:blip r:embed="rId4"/>
+          <a:stretch>
+            <a:fillRect/>
+          </a:stretch>
+        </p:blipFill>
+        <p:spPr>
+          <a:xfrm>
+            <a:off x="2997740" y="3770636"/>
+            <a:ext cx="5420122" cy="2827890"/>
+          </a:xfrm>
+          <a:prstGeom prst="rect">
+            <a:avLst/>
+          </a:prstGeom>
+        </p:spPr>
+      </p:pic>
+      <p:cxnSp>
+        <p:nvCxnSpPr>
+          <p:cNvPr id="8" name="Conector recto de flecha 7"/>
+          <p:cNvCxnSpPr/>
+          <p:nvPr/>
+        </p:nvCxnSpPr>
+        <p:spPr>
+          <a:xfrm>
+            <a:off x="4788024" y="3140968"/>
+            <a:ext cx="504056" cy="2043613"/>
+          </a:xfrm>
+          <a:prstGeom prst="straightConnector1">
+            <a:avLst/>
+          </a:prstGeom>
+          <a:ln>
+            <a:solidFill>
+              <a:srgbClr val="FF0000"/>
+            </a:solidFill>
+            <a:tailEnd type="triangle"/>
+          </a:ln>
+        </p:spPr>
+        <p:style>
+          <a:lnRef idx="1">
+            <a:schemeClr val="accent1"/>
+          </a:lnRef>
+          <a:fillRef idx="0">
+            <a:schemeClr val="accent1"/>
+          </a:fillRef>
+          <a:effectRef idx="0">
+            <a:schemeClr val="accent1"/>
+          </a:effectRef>
+          <a:fontRef idx="minor">
+            <a:schemeClr val="tx1"/>
+          </a:fontRef>
+        </p:style>
+      </p:cxnSp>
+      <p:sp>
+        <p:nvSpPr>
+          <p:cNvPr id="13" name="CuadroTexto 12"/>
+          <p:cNvSpPr txBox="1"/>
+          <p:nvPr/>
+        </p:nvSpPr>
+        <p:spPr>
+          <a:xfrm>
+            <a:off x="7727098" y="4162774"/>
+            <a:ext cx="1080120" cy="369332"/>
+          </a:xfrm>
+          <a:prstGeom prst="rect">
+            <a:avLst/>
+          </a:prstGeom>
+          <a:noFill/>
+        </p:spPr>
+        <p:txBody>
+          <a:bodyPr wrap="square" rtlCol="0">
+            <a:spAutoFit/>
+          </a:bodyPr>
+          <a:lstStyle/>
+          <a:p>
+            <a:r>
+              <a:rPr lang="es-ES" b="1" dirty="0" smtClean="0">
+                <a:solidFill>
+                  <a:schemeClr val="bg1"/>
+                </a:solidFill>
+              </a:rPr>
+              <a:t>API</a:t>
+            </a:r>
+            <a:endParaRPr lang="es-ES" b="1" dirty="0">
+              <a:solidFill>
+                <a:schemeClr val="bg1"/>
+              </a:solidFill>
+            </a:endParaRPr>
+          </a:p>
+        </p:txBody>
+      </p:sp>
     </p:spTree>
     <p:extLst>
       <p:ext uri="{BB962C8B-B14F-4D97-AF65-F5344CB8AC3E}">
@@ -10039,7 +11175,7 @@
 </p:sld>
 </file>
 
-<file path=ppt/slides/slide21.xml><?xml version="1.0" encoding="utf-8"?>
+<file path=ppt/slides/slide23.xml><?xml version="1.0" encoding="utf-8"?>
 <p:sld xmlns:a="http://schemas.openxmlformats.org/drawingml/2006/main" xmlns:r="http://schemas.openxmlformats.org/officeDocument/2006/relationships" xmlns:p="http://schemas.openxmlformats.org/presentationml/2006/main">
   <p:cSld>
     <p:spTree>
@@ -18455,7 +19591,6 @@
               <a:rPr lang="es-ES" dirty="0"/>
               <a:t>. Debido a su flexibilidad es muy escalable y ayuda al desarrollo ágil de proyectos web.</a:t>
             </a:r>
-            <a:endParaRPr lang="es-ES" dirty="0"/>
           </a:p>
         </p:txBody>
       </p:sp>

--- a/Presentación1.pptx
+++ b/Presentación1.pptx
@@ -10451,10 +10451,9 @@
               <a:t>post.contenido</a:t>
             </a:r>
             <a:r>
-              <a:rPr lang="es-ES" i="0" smtClean="0"/>
+              <a:rPr lang="es-ES" i="0" dirty="0" smtClean="0"/>
               <a:t>}} …</a:t>
             </a:r>
-            <a:endParaRPr lang="es-ES" i="0" dirty="0" smtClean="0"/>
           </a:p>
           <a:p>
             <a:pPr marL="0" indent="0">
@@ -11732,7 +11731,15 @@
             </a:r>
             <a:r>
               <a:rPr lang="es-ES" sz="2200" i="0" dirty="0" smtClean="0"/>
-              <a:t> o el tentáculo, pero no existen redes sociales dedicadas a ello.</a:t>
+              <a:t> o el tentáculo, pero no existen redes sociales </a:t>
+            </a:r>
+            <a:r>
+              <a:rPr lang="es-ES" sz="2200" i="0" smtClean="0"/>
+              <a:t>dedicadas exclusivamente </a:t>
+            </a:r>
+            <a:r>
+              <a:rPr lang="es-ES" sz="2200" i="0" dirty="0" smtClean="0"/>
+              <a:t>a ello.</a:t>
             </a:r>
             <a:endParaRPr lang="es-ES" sz="2200" i="0" dirty="0"/>
           </a:p>

--- a/Presentación1.pptx
+++ b/Presentación1.pptx
@@ -13,21 +13,22 @@
     <p:sldId id="282" r:id="rId7"/>
     <p:sldId id="283" r:id="rId8"/>
     <p:sldId id="284" r:id="rId9"/>
-    <p:sldId id="285" r:id="rId10"/>
-    <p:sldId id="259" r:id="rId11"/>
-    <p:sldId id="267" r:id="rId12"/>
-    <p:sldId id="281" r:id="rId13"/>
-    <p:sldId id="287" r:id="rId14"/>
-    <p:sldId id="258" r:id="rId15"/>
-    <p:sldId id="278" r:id="rId16"/>
-    <p:sldId id="276" r:id="rId17"/>
-    <p:sldId id="277" r:id="rId18"/>
-    <p:sldId id="279" r:id="rId19"/>
-    <p:sldId id="289" r:id="rId20"/>
-    <p:sldId id="290" r:id="rId21"/>
-    <p:sldId id="261" r:id="rId22"/>
-    <p:sldId id="260" r:id="rId23"/>
-    <p:sldId id="280" r:id="rId24"/>
+    <p:sldId id="291" r:id="rId10"/>
+    <p:sldId id="285" r:id="rId11"/>
+    <p:sldId id="259" r:id="rId12"/>
+    <p:sldId id="267" r:id="rId13"/>
+    <p:sldId id="281" r:id="rId14"/>
+    <p:sldId id="287" r:id="rId15"/>
+    <p:sldId id="258" r:id="rId16"/>
+    <p:sldId id="278" r:id="rId17"/>
+    <p:sldId id="276" r:id="rId18"/>
+    <p:sldId id="277" r:id="rId19"/>
+    <p:sldId id="279" r:id="rId20"/>
+    <p:sldId id="289" r:id="rId21"/>
+    <p:sldId id="290" r:id="rId22"/>
+    <p:sldId id="261" r:id="rId23"/>
+    <p:sldId id="260" r:id="rId24"/>
+    <p:sldId id="280" r:id="rId25"/>
   </p:sldIdLst>
   <p:sldSz cx="9144000" cy="6858000" type="screen4x3"/>
   <p:notesSz cx="6858000" cy="9144000"/>
@@ -3754,6 +3755,415 @@
           <a:chExt cx="0" cy="0"/>
         </a:xfrm>
       </p:grpSpPr>
+      <p:sp>
+        <p:nvSpPr>
+          <p:cNvPr id="10" name="9 Título"/>
+          <p:cNvSpPr>
+            <a:spLocks noGrp="1"/>
+          </p:cNvSpPr>
+          <p:nvPr>
+            <p:ph type="title"/>
+          </p:nvPr>
+        </p:nvSpPr>
+        <p:spPr>
+          <a:xfrm>
+            <a:off x="7884368" y="0"/>
+            <a:ext cx="1259632" cy="476250"/>
+          </a:xfrm>
+        </p:spPr>
+        <p:txBody>
+          <a:bodyPr>
+            <a:noAutofit/>
+          </a:bodyPr>
+          <a:lstStyle/>
+          <a:p>
+            <a:r>
+              <a:rPr lang="es-ES" sz="2000" dirty="0" err="1" smtClean="0">
+                <a:latin typeface="Lato Hairline" pitchFamily="34" charset="0"/>
+              </a:rPr>
+              <a:t>WusicK</a:t>
+            </a:r>
+            <a:endParaRPr lang="es-ES" sz="2000" dirty="0">
+              <a:latin typeface="Lato Hairline" pitchFamily="34" charset="0"/>
+            </a:endParaRPr>
+          </a:p>
+        </p:txBody>
+      </p:sp>
+      <p:sp>
+        <p:nvSpPr>
+          <p:cNvPr id="11" name="10 Marcador de texto"/>
+          <p:cNvSpPr>
+            <a:spLocks noGrp="1"/>
+          </p:cNvSpPr>
+          <p:nvPr>
+            <p:ph type="body" idx="1"/>
+          </p:nvPr>
+        </p:nvSpPr>
+        <p:spPr>
+          <a:xfrm>
+            <a:off x="3059832" y="0"/>
+            <a:ext cx="3312368" cy="611510"/>
+          </a:xfrm>
+        </p:spPr>
+        <p:txBody>
+          <a:bodyPr>
+            <a:noAutofit/>
+          </a:bodyPr>
+          <a:lstStyle/>
+          <a:p>
+            <a:r>
+              <a:rPr lang="es-ES" sz="3600" i="0" u="sng" dirty="0" err="1">
+                <a:latin typeface="Lato Hairline" pitchFamily="34" charset="0"/>
+              </a:rPr>
+              <a:t>m</a:t>
+            </a:r>
+            <a:r>
+              <a:rPr lang="es-ES" sz="3600" i="0" u="sng" dirty="0" err="1" smtClean="0">
+                <a:latin typeface="Lato Hairline" pitchFamily="34" charset="0"/>
+              </a:rPr>
+              <a:t>ongoDB</a:t>
+            </a:r>
+            <a:endParaRPr lang="es-ES" sz="3600" i="0" u="sng" dirty="0">
+              <a:latin typeface="Lato Hairline" pitchFamily="34" charset="0"/>
+            </a:endParaRPr>
+          </a:p>
+        </p:txBody>
+      </p:sp>
+      <p:sp>
+        <p:nvSpPr>
+          <p:cNvPr id="2" name="1 Rectángulo"/>
+          <p:cNvSpPr/>
+          <p:nvPr/>
+        </p:nvSpPr>
+        <p:spPr>
+          <a:xfrm>
+            <a:off x="2880910" y="596545"/>
+            <a:ext cx="2854436" cy="369332"/>
+          </a:xfrm>
+          <a:prstGeom prst="rect">
+            <a:avLst/>
+          </a:prstGeom>
+        </p:spPr>
+        <p:txBody>
+          <a:bodyPr wrap="none">
+            <a:spAutoFit/>
+          </a:bodyPr>
+          <a:lstStyle/>
+          <a:p>
+            <a:r>
+              <a:rPr lang="es-ES" dirty="0" smtClean="0"/>
+              <a:t>http</a:t>
+            </a:r>
+            <a:r>
+              <a:rPr lang="es-ES" dirty="0"/>
+              <a:t>://www.</a:t>
+            </a:r>
+            <a:r>
+              <a:rPr lang="es-ES" b="1" dirty="0"/>
+              <a:t>mongodb</a:t>
+            </a:r>
+            <a:r>
+              <a:rPr lang="es-ES" dirty="0"/>
+              <a:t>.org</a:t>
+            </a:r>
+            <a:r>
+              <a:rPr lang="es-ES" dirty="0" smtClean="0"/>
+              <a:t>/</a:t>
+            </a:r>
+            <a:endParaRPr lang="es-ES" dirty="0"/>
+          </a:p>
+        </p:txBody>
+      </p:sp>
+      <p:sp>
+        <p:nvSpPr>
+          <p:cNvPr id="3" name="CuadroTexto 2"/>
+          <p:cNvSpPr txBox="1"/>
+          <p:nvPr/>
+        </p:nvSpPr>
+        <p:spPr>
+          <a:xfrm>
+            <a:off x="809328" y="1289242"/>
+            <a:ext cx="7704856" cy="2031325"/>
+          </a:xfrm>
+          <a:prstGeom prst="rect">
+            <a:avLst/>
+          </a:prstGeom>
+          <a:noFill/>
+        </p:spPr>
+        <p:txBody>
+          <a:bodyPr wrap="square" rtlCol="0">
+            <a:spAutoFit/>
+          </a:bodyPr>
+          <a:lstStyle/>
+          <a:p>
+            <a:pPr algn="just"/>
+            <a:r>
+              <a:rPr lang="es-ES" dirty="0"/>
+              <a:t>E</a:t>
+            </a:r>
+            <a:r>
+              <a:rPr lang="es-ES" dirty="0" smtClean="0"/>
+              <a:t>s </a:t>
+            </a:r>
+            <a:r>
+              <a:rPr lang="es-ES" dirty="0"/>
+              <a:t>una base de datos no relacional (</a:t>
+            </a:r>
+            <a:r>
+              <a:rPr lang="es-ES" b="1" dirty="0" err="1"/>
+              <a:t>NoSQL</a:t>
+            </a:r>
+            <a:r>
+              <a:rPr lang="es-ES" dirty="0" smtClean="0"/>
+              <a:t>) </a:t>
+            </a:r>
+            <a:r>
+              <a:rPr lang="es-ES" dirty="0"/>
+              <a:t>de código abierto que guarda los datos en documentos tipo </a:t>
+            </a:r>
+            <a:r>
+              <a:rPr lang="es-ES" b="1" dirty="0"/>
+              <a:t>JSON</a:t>
+            </a:r>
+            <a:r>
+              <a:rPr lang="es-ES" dirty="0"/>
+              <a:t> (JavaScript </a:t>
+            </a:r>
+            <a:r>
+              <a:rPr lang="es-ES" dirty="0" err="1"/>
+              <a:t>Object</a:t>
+            </a:r>
+            <a:r>
+              <a:rPr lang="es-ES" dirty="0"/>
+              <a:t> </a:t>
+            </a:r>
+            <a:r>
+              <a:rPr lang="es-ES" dirty="0" err="1"/>
+              <a:t>Notation</a:t>
+            </a:r>
+            <a:r>
+              <a:rPr lang="es-ES" dirty="0" smtClean="0"/>
+              <a:t>) (orientada a documentos) </a:t>
+            </a:r>
+            <a:r>
+              <a:rPr lang="es-ES" dirty="0"/>
+              <a:t> pero en forma binaria (BSON) para hacer la integración de una manera más rápida. Se pueden ejecutar operaciones en JavaScript en su consola en  lugar de consultas SQL. Además tiene una gran integración con Node.js con los  driver propio y con </a:t>
+            </a:r>
+            <a:r>
+              <a:rPr lang="es-ES" dirty="0" err="1"/>
+              <a:t>Mongoose</a:t>
+            </a:r>
+            <a:r>
+              <a:rPr lang="es-ES" dirty="0"/>
+              <a:t>. Debido a su flexibilidad es muy escalable y ayuda al desarrollo ágil de proyectos web.</a:t>
+            </a:r>
+          </a:p>
+        </p:txBody>
+      </p:sp>
+      <p:pic>
+        <p:nvPicPr>
+          <p:cNvPr id="12" name="Imagen 11"/>
+          <p:cNvPicPr>
+            <a:picLocks noChangeAspect="1"/>
+          </p:cNvPicPr>
+          <p:nvPr/>
+        </p:nvPicPr>
+        <p:blipFill>
+          <a:blip r:embed="rId2"/>
+          <a:stretch>
+            <a:fillRect/>
+          </a:stretch>
+        </p:blipFill>
+        <p:spPr>
+          <a:xfrm>
+            <a:off x="0" y="1"/>
+            <a:ext cx="1869445" cy="692696"/>
+          </a:xfrm>
+          <a:prstGeom prst="rect">
+            <a:avLst/>
+          </a:prstGeom>
+        </p:spPr>
+      </p:pic>
+      <p:pic>
+        <p:nvPicPr>
+          <p:cNvPr id="4" name="Imagen 3"/>
+          <p:cNvPicPr>
+            <a:picLocks noChangeAspect="1"/>
+          </p:cNvPicPr>
+          <p:nvPr/>
+        </p:nvPicPr>
+        <p:blipFill>
+          <a:blip r:embed="rId3"/>
+          <a:stretch>
+            <a:fillRect/>
+          </a:stretch>
+        </p:blipFill>
+        <p:spPr>
+          <a:xfrm>
+            <a:off x="2871365" y="3320567"/>
+            <a:ext cx="3343275" cy="2495550"/>
+          </a:xfrm>
+          <a:prstGeom prst="rect">
+            <a:avLst/>
+          </a:prstGeom>
+        </p:spPr>
+      </p:pic>
+      <p:sp>
+        <p:nvSpPr>
+          <p:cNvPr id="13" name="CuadroTexto 12"/>
+          <p:cNvSpPr txBox="1"/>
+          <p:nvPr/>
+        </p:nvSpPr>
+        <p:spPr>
+          <a:xfrm>
+            <a:off x="934722" y="5816117"/>
+            <a:ext cx="7704856" cy="646331"/>
+          </a:xfrm>
+          <a:prstGeom prst="rect">
+            <a:avLst/>
+          </a:prstGeom>
+          <a:noFill/>
+        </p:spPr>
+        <p:txBody>
+          <a:bodyPr wrap="square" rtlCol="0">
+            <a:spAutoFit/>
+          </a:bodyPr>
+          <a:lstStyle/>
+          <a:p>
+            <a:pPr algn="just"/>
+            <a:r>
+              <a:rPr lang="es-ES" dirty="0" smtClean="0"/>
+              <a:t>En nuestro caso no hemos utilizado </a:t>
+            </a:r>
+            <a:r>
+              <a:rPr lang="es-ES" dirty="0" err="1" smtClean="0"/>
+              <a:t>MongoDB</a:t>
+            </a:r>
+            <a:r>
+              <a:rPr lang="es-ES" dirty="0" smtClean="0"/>
+              <a:t> (aunque hubiera sido lo ideal) porque teníamos la base da datos creada prácticamente completa en </a:t>
+            </a:r>
+            <a:r>
+              <a:rPr lang="es-ES" dirty="0" err="1" smtClean="0"/>
+              <a:t>MySQL</a:t>
+            </a:r>
+            <a:endParaRPr lang="es-ES" dirty="0"/>
+          </a:p>
+        </p:txBody>
+      </p:sp>
+    </p:spTree>
+    <p:extLst>
+      <p:ext uri="{BB962C8B-B14F-4D97-AF65-F5344CB8AC3E}">
+        <p14:creationId xmlns:p14="http://schemas.microsoft.com/office/powerpoint/2010/main" val="2480145824"/>
+      </p:ext>
+    </p:extLst>
+  </p:cSld>
+  <p:clrMapOvr>
+    <a:masterClrMapping/>
+  </p:clrMapOvr>
+  <p:timing>
+    <p:tnLst>
+      <p:par>
+        <p:cTn id="1" dur="indefinite" restart="never" nodeType="tmRoot">
+          <p:childTnLst>
+            <p:seq concurrent="1" nextAc="seek">
+              <p:cTn id="2" dur="indefinite" nodeType="mainSeq">
+                <p:childTnLst>
+                  <p:par>
+                    <p:cTn id="3" fill="hold">
+                      <p:stCondLst>
+                        <p:cond delay="indefinite"/>
+                      </p:stCondLst>
+                      <p:childTnLst>
+                        <p:par>
+                          <p:cTn id="4" fill="hold">
+                            <p:stCondLst>
+                              <p:cond delay="0"/>
+                            </p:stCondLst>
+                            <p:childTnLst>
+                              <p:par>
+                                <p:cTn id="5" presetID="16" presetClass="entr" presetSubtype="21" fill="hold" nodeType="clickEffect">
+                                  <p:stCondLst>
+                                    <p:cond delay="0"/>
+                                  </p:stCondLst>
+                                  <p:childTnLst>
+                                    <p:set>
+                                      <p:cBhvr>
+                                        <p:cTn id="6" dur="1" fill="hold">
+                                          <p:stCondLst>
+                                            <p:cond delay="0"/>
+                                          </p:stCondLst>
+                                        </p:cTn>
+                                        <p:tgtEl>
+                                          <p:spTgt spid="12"/>
+                                        </p:tgtEl>
+                                        <p:attrNameLst>
+                                          <p:attrName>style.visibility</p:attrName>
+                                        </p:attrNameLst>
+                                      </p:cBhvr>
+                                      <p:to>
+                                        <p:strVal val="visible"/>
+                                      </p:to>
+                                    </p:set>
+                                    <p:animEffect transition="in" filter="barn(inVertical)">
+                                      <p:cBhvr>
+                                        <p:cTn id="7" dur="500"/>
+                                        <p:tgtEl>
+                                          <p:spTgt spid="12"/>
+                                        </p:tgtEl>
+                                      </p:cBhvr>
+                                    </p:animEffect>
+                                  </p:childTnLst>
+                                </p:cTn>
+                              </p:par>
+                            </p:childTnLst>
+                          </p:cTn>
+                        </p:par>
+                      </p:childTnLst>
+                    </p:cTn>
+                  </p:par>
+                </p:childTnLst>
+              </p:cTn>
+              <p:prevCondLst>
+                <p:cond evt="onPrev" delay="0">
+                  <p:tgtEl>
+                    <p:sldTgt/>
+                  </p:tgtEl>
+                </p:cond>
+              </p:prevCondLst>
+              <p:nextCondLst>
+                <p:cond evt="onNext" delay="0">
+                  <p:tgtEl>
+                    <p:sldTgt/>
+                  </p:tgtEl>
+                </p:cond>
+              </p:nextCondLst>
+            </p:seq>
+          </p:childTnLst>
+        </p:cTn>
+      </p:par>
+    </p:tnLst>
+  </p:timing>
+</p:sld>
+</file>
+
+<file path=ppt/slides/slide11.xml><?xml version="1.0" encoding="utf-8"?>
+<p:sld xmlns:a="http://schemas.openxmlformats.org/drawingml/2006/main" xmlns:r="http://schemas.openxmlformats.org/officeDocument/2006/relationships" xmlns:p="http://schemas.openxmlformats.org/presentationml/2006/main">
+  <p:cSld>
+    <p:spTree>
+      <p:nvGrpSpPr>
+        <p:cNvPr id="1" name=""/>
+        <p:cNvGrpSpPr/>
+        <p:nvPr/>
+      </p:nvGrpSpPr>
+      <p:grpSpPr>
+        <a:xfrm>
+          <a:off x="0" y="0"/>
+          <a:ext cx="0" cy="0"/>
+          <a:chOff x="0" y="0"/>
+          <a:chExt cx="0" cy="0"/>
+        </a:xfrm>
+      </p:grpSpPr>
       <p:pic>
         <p:nvPicPr>
           <p:cNvPr id="15" name="Picture 14" descr="C:\Users\mcl\Desktop\documentacion de WUSIC\mysql2.jpg"/>
@@ -4273,7 +4683,7 @@
 </p:sld>
 </file>
 
-<file path=ppt/slides/slide11.xml><?xml version="1.0" encoding="utf-8"?>
+<file path=ppt/slides/slide12.xml><?xml version="1.0" encoding="utf-8"?>
 <p:sld xmlns:a="http://schemas.openxmlformats.org/drawingml/2006/main" xmlns:r="http://schemas.openxmlformats.org/officeDocument/2006/relationships" xmlns:p="http://schemas.openxmlformats.org/presentationml/2006/main">
   <p:cSld>
     <p:spTree>
@@ -4915,7 +5325,7 @@
 </p:sld>
 </file>
 
-<file path=ppt/slides/slide12.xml><?xml version="1.0" encoding="utf-8"?>
+<file path=ppt/slides/slide13.xml><?xml version="1.0" encoding="utf-8"?>
 <p:sld xmlns:a="http://schemas.openxmlformats.org/drawingml/2006/main" xmlns:r="http://schemas.openxmlformats.org/officeDocument/2006/relationships" xmlns:p="http://schemas.openxmlformats.org/presentationml/2006/main">
   <p:cSld>
     <p:spTree>
@@ -5443,7 +5853,7 @@
 </p:sld>
 </file>
 
-<file path=ppt/slides/slide13.xml><?xml version="1.0" encoding="utf-8"?>
+<file path=ppt/slides/slide14.xml><?xml version="1.0" encoding="utf-8"?>
 <p:sld xmlns:a="http://schemas.openxmlformats.org/drawingml/2006/main" xmlns:r="http://schemas.openxmlformats.org/officeDocument/2006/relationships" xmlns:p="http://schemas.openxmlformats.org/presentationml/2006/main">
   <p:cSld>
     <p:spTree>
@@ -5925,7 +6335,7 @@
 </p:sld>
 </file>
 
-<file path=ppt/slides/slide14.xml><?xml version="1.0" encoding="utf-8"?>
+<file path=ppt/slides/slide15.xml><?xml version="1.0" encoding="utf-8"?>
 <p:sld xmlns:a="http://schemas.openxmlformats.org/drawingml/2006/main" xmlns:r="http://schemas.openxmlformats.org/officeDocument/2006/relationships" xmlns:p="http://schemas.openxmlformats.org/presentationml/2006/main">
   <p:cSld>
     <p:spTree>
@@ -6533,7 +6943,7 @@
 </p:sld>
 </file>
 
-<file path=ppt/slides/slide15.xml><?xml version="1.0" encoding="utf-8"?>
+<file path=ppt/slides/slide16.xml><?xml version="1.0" encoding="utf-8"?>
 <p:sld xmlns:a="http://schemas.openxmlformats.org/drawingml/2006/main" xmlns:r="http://schemas.openxmlformats.org/officeDocument/2006/relationships" xmlns:p="http://schemas.openxmlformats.org/presentationml/2006/main">
   <p:cSld>
     <p:spTree>
@@ -6844,7 +7254,7 @@
 </p:sld>
 </file>
 
-<file path=ppt/slides/slide16.xml><?xml version="1.0" encoding="utf-8"?>
+<file path=ppt/slides/slide17.xml><?xml version="1.0" encoding="utf-8"?>
 <p:sld xmlns:a="http://schemas.openxmlformats.org/drawingml/2006/main" xmlns:r="http://schemas.openxmlformats.org/officeDocument/2006/relationships" xmlns:p="http://schemas.openxmlformats.org/presentationml/2006/main">
   <p:cSld>
     <p:spTree>
@@ -7770,7 +8180,7 @@
 </p:sld>
 </file>
 
-<file path=ppt/slides/slide17.xml><?xml version="1.0" encoding="utf-8"?>
+<file path=ppt/slides/slide18.xml><?xml version="1.0" encoding="utf-8"?>
 <p:sld xmlns:a="http://schemas.openxmlformats.org/drawingml/2006/main" xmlns:r="http://schemas.openxmlformats.org/officeDocument/2006/relationships" xmlns:p="http://schemas.openxmlformats.org/presentationml/2006/main">
   <p:cSld>
     <p:spTree>
@@ -8468,7 +8878,7 @@
 </p:sld>
 </file>
 
-<file path=ppt/slides/slide18.xml><?xml version="1.0" encoding="utf-8"?>
+<file path=ppt/slides/slide19.xml><?xml version="1.0" encoding="utf-8"?>
 <p:sld xmlns:a="http://schemas.openxmlformats.org/drawingml/2006/main" xmlns:r="http://schemas.openxmlformats.org/officeDocument/2006/relationships" xmlns:p="http://schemas.openxmlformats.org/presentationml/2006/main">
   <p:cSld>
     <p:spTree>
@@ -8933,430 +9343,6 @@
 </p:sld>
 </file>
 
-<file path=ppt/slides/slide19.xml><?xml version="1.0" encoding="utf-8"?>
-<p:sld xmlns:a="http://schemas.openxmlformats.org/drawingml/2006/main" xmlns:r="http://schemas.openxmlformats.org/officeDocument/2006/relationships" xmlns:p="http://schemas.openxmlformats.org/presentationml/2006/main">
-  <p:cSld>
-    <p:spTree>
-      <p:nvGrpSpPr>
-        <p:cNvPr id="1" name=""/>
-        <p:cNvGrpSpPr/>
-        <p:nvPr/>
-      </p:nvGrpSpPr>
-      <p:grpSpPr>
-        <a:xfrm>
-          <a:off x="0" y="0"/>
-          <a:ext cx="0" cy="0"/>
-          <a:chOff x="0" y="0"/>
-          <a:chExt cx="0" cy="0"/>
-        </a:xfrm>
-      </p:grpSpPr>
-      <p:sp>
-        <p:nvSpPr>
-          <p:cNvPr id="10" name="9 Título"/>
-          <p:cNvSpPr>
-            <a:spLocks noGrp="1"/>
-          </p:cNvSpPr>
-          <p:nvPr>
-            <p:ph type="title"/>
-          </p:nvPr>
-        </p:nvSpPr>
-        <p:spPr>
-          <a:xfrm>
-            <a:off x="7884368" y="0"/>
-            <a:ext cx="1259632" cy="476250"/>
-          </a:xfrm>
-        </p:spPr>
-        <p:txBody>
-          <a:bodyPr>
-            <a:noAutofit/>
-          </a:bodyPr>
-          <a:lstStyle/>
-          <a:p>
-            <a:r>
-              <a:rPr lang="es-ES" sz="2000" dirty="0" err="1" smtClean="0">
-                <a:latin typeface="Lato Hairline" pitchFamily="34" charset="0"/>
-              </a:rPr>
-              <a:t>WusicK</a:t>
-            </a:r>
-            <a:endParaRPr lang="es-ES" sz="2000" dirty="0">
-              <a:latin typeface="Lato Hairline" pitchFamily="34" charset="0"/>
-            </a:endParaRPr>
-          </a:p>
-        </p:txBody>
-      </p:sp>
-      <p:sp>
-        <p:nvSpPr>
-          <p:cNvPr id="11" name="10 Marcador de texto"/>
-          <p:cNvSpPr>
-            <a:spLocks noGrp="1"/>
-          </p:cNvSpPr>
-          <p:nvPr>
-            <p:ph type="body" idx="1"/>
-          </p:nvPr>
-        </p:nvSpPr>
-        <p:spPr>
-          <a:xfrm>
-            <a:off x="3059832" y="0"/>
-            <a:ext cx="3312368" cy="611510"/>
-          </a:xfrm>
-        </p:spPr>
-        <p:txBody>
-          <a:bodyPr>
-            <a:noAutofit/>
-          </a:bodyPr>
-          <a:lstStyle/>
-          <a:p>
-            <a:r>
-              <a:rPr lang="es-ES" sz="3600" i="0" u="sng" dirty="0" smtClean="0">
-                <a:latin typeface="Lato Hairline" pitchFamily="34" charset="0"/>
-              </a:rPr>
-              <a:t>Angular.JS</a:t>
-            </a:r>
-            <a:endParaRPr lang="es-ES" sz="3600" i="0" u="sng" dirty="0">
-              <a:latin typeface="Lato Hairline" pitchFamily="34" charset="0"/>
-            </a:endParaRPr>
-          </a:p>
-        </p:txBody>
-      </p:sp>
-      <p:sp>
-        <p:nvSpPr>
-          <p:cNvPr id="12" name="11 Marcador de contenido"/>
-          <p:cNvSpPr>
-            <a:spLocks noGrp="1"/>
-          </p:cNvSpPr>
-          <p:nvPr>
-            <p:ph sz="half" idx="2"/>
-          </p:nvPr>
-        </p:nvSpPr>
-        <p:spPr>
-          <a:xfrm>
-            <a:off x="733450" y="1844824"/>
-            <a:ext cx="7965132" cy="3286201"/>
-          </a:xfrm>
-        </p:spPr>
-        <p:txBody>
-          <a:bodyPr>
-            <a:normAutofit/>
-          </a:bodyPr>
-          <a:lstStyle/>
-          <a:p>
-            <a:pPr marL="0" indent="0" algn="just">
-              <a:buNone/>
-            </a:pPr>
-            <a:r>
-              <a:rPr lang="es-ES" sz="2000" i="0" dirty="0" smtClean="0"/>
-              <a:t>Angular.JS es un </a:t>
-            </a:r>
-            <a:r>
-              <a:rPr lang="es-ES" sz="2000" i="0" dirty="0" err="1" smtClean="0"/>
-              <a:t>framework</a:t>
-            </a:r>
-            <a:r>
-              <a:rPr lang="es-ES" sz="2000" i="0" dirty="0" smtClean="0"/>
-              <a:t> de </a:t>
-            </a:r>
-            <a:r>
-              <a:rPr lang="es-ES" sz="2000" i="0" dirty="0" err="1" smtClean="0"/>
-              <a:t>javascript</a:t>
-            </a:r>
-            <a:r>
-              <a:rPr lang="es-ES" sz="2000" i="0" dirty="0" smtClean="0"/>
-              <a:t> para el lado cliente creado por Google, su funcionamiento consiste en agregar etiquetas propias a las de </a:t>
-            </a:r>
-            <a:r>
-              <a:rPr lang="es-ES" sz="2000" i="0" dirty="0" err="1" smtClean="0"/>
-              <a:t>html</a:t>
-            </a:r>
-            <a:r>
-              <a:rPr lang="es-ES" sz="2000" i="0" dirty="0" smtClean="0"/>
-              <a:t> para </a:t>
-            </a:r>
-            <a:r>
-              <a:rPr lang="es-ES" sz="2000" i="0" dirty="0" smtClean="0"/>
-              <a:t>obtener</a:t>
-            </a:r>
-            <a:r>
-              <a:rPr lang="es-ES" sz="2000" i="0" dirty="0" smtClean="0"/>
-              <a:t> </a:t>
-            </a:r>
-            <a:r>
-              <a:rPr lang="es-ES" sz="2000" i="0" dirty="0" smtClean="0"/>
-              <a:t>diversas </a:t>
-            </a:r>
-            <a:r>
-              <a:rPr lang="es-ES" sz="2000" i="0" dirty="0" smtClean="0"/>
-              <a:t>funcionalidades (</a:t>
-            </a:r>
-            <a:r>
-              <a:rPr lang="es-ES" sz="2000" i="0" dirty="0" err="1" smtClean="0"/>
-              <a:t>loops</a:t>
-            </a:r>
-            <a:r>
-              <a:rPr lang="es-ES" sz="2000" i="0" dirty="0" smtClean="0"/>
-              <a:t>, validaciones, uso de modelos…), de esta manera conseguimos unas vistas mucho mas ricas, lo que nos ayuda a desarrollar mucho más rápido. </a:t>
-            </a:r>
-          </a:p>
-          <a:p>
-            <a:pPr marL="0" indent="0" algn="just">
-              <a:buNone/>
-            </a:pPr>
-            <a:endParaRPr lang="es-ES" sz="2000" i="0" dirty="0" smtClean="0"/>
-          </a:p>
-          <a:p>
-            <a:pPr marL="0" indent="0" algn="just">
-              <a:buNone/>
-            </a:pPr>
-            <a:r>
-              <a:rPr lang="es-ES" sz="2000" i="0" dirty="0" smtClean="0"/>
-              <a:t>Lo vemos  en funcionamiento con el </a:t>
-            </a:r>
-            <a:r>
-              <a:rPr lang="es-ES" sz="2000" i="0" dirty="0" smtClean="0"/>
-              <a:t>ejemplo </a:t>
-            </a:r>
-            <a:r>
-              <a:rPr lang="es-ES" sz="2000" i="0" dirty="0" smtClean="0"/>
-              <a:t>de mostrar </a:t>
-            </a:r>
-            <a:r>
-              <a:rPr lang="es-ES" sz="2000" i="0" dirty="0" err="1" smtClean="0"/>
-              <a:t>posts</a:t>
-            </a:r>
-            <a:r>
-              <a:rPr lang="es-ES" sz="2000" i="0" dirty="0" smtClean="0"/>
-              <a:t> </a:t>
-            </a:r>
-            <a:r>
-              <a:rPr lang="es-ES" sz="2000" i="0" dirty="0" err="1" smtClean="0"/>
-              <a:t>denuestra</a:t>
-            </a:r>
-            <a:r>
-              <a:rPr lang="es-ES" sz="2000" i="0" dirty="0" smtClean="0"/>
-              <a:t> aplicación</a:t>
-            </a:r>
-            <a:endParaRPr lang="es-ES" sz="2000" i="0" dirty="0"/>
-          </a:p>
-        </p:txBody>
-      </p:sp>
-      <p:pic>
-        <p:nvPicPr>
-          <p:cNvPr id="8" name="Picture 3" descr="C:\Users\mcl\Desktop\documentacion de WUSIC\angular-js-preview1.jpg"/>
-          <p:cNvPicPr>
-            <a:picLocks noChangeAspect="1" noChangeArrowheads="1"/>
-          </p:cNvPicPr>
-          <p:nvPr/>
-        </p:nvPicPr>
-        <p:blipFill>
-          <a:blip r:embed="rId2">
-            <a:extLst>
-              <a:ext uri="{28A0092B-C50C-407E-A947-70E740481C1C}">
-                <a14:useLocalDpi xmlns:a14="http://schemas.microsoft.com/office/drawing/2010/main" val="0"/>
-              </a:ext>
-            </a:extLst>
-          </a:blip>
-          <a:srcRect/>
-          <a:stretch>
-            <a:fillRect/>
-          </a:stretch>
-        </p:blipFill>
-        <p:spPr bwMode="auto">
-          <a:xfrm>
-            <a:off x="0" y="0"/>
-            <a:ext cx="952500" cy="952500"/>
-          </a:xfrm>
-          <a:prstGeom prst="rect">
-            <a:avLst/>
-          </a:prstGeom>
-          <a:noFill/>
-          <a:extLst>
-            <a:ext uri="{909E8E84-426E-40DD-AFC4-6F175D3DCCD1}">
-              <a14:hiddenFill xmlns:a14="http://schemas.microsoft.com/office/drawing/2010/main">
-                <a:solidFill>
-                  <a:srgbClr val="FFFFFF"/>
-                </a:solidFill>
-              </a14:hiddenFill>
-            </a:ext>
-          </a:extLst>
-        </p:spPr>
-      </p:pic>
-      <p:sp>
-        <p:nvSpPr>
-          <p:cNvPr id="2" name="1 Rectángulo"/>
-          <p:cNvSpPr/>
-          <p:nvPr/>
-        </p:nvSpPr>
-        <p:spPr>
-          <a:xfrm>
-            <a:off x="3059832" y="583168"/>
-            <a:ext cx="2241319" cy="369332"/>
-          </a:xfrm>
-          <a:prstGeom prst="rect">
-            <a:avLst/>
-          </a:prstGeom>
-        </p:spPr>
-        <p:txBody>
-          <a:bodyPr wrap="none">
-            <a:spAutoFit/>
-          </a:bodyPr>
-          <a:lstStyle/>
-          <a:p>
-            <a:r>
-              <a:rPr lang="es-ES" dirty="0"/>
-              <a:t>https://</a:t>
-            </a:r>
-            <a:r>
-              <a:rPr lang="es-ES" b="1" dirty="0"/>
-              <a:t>angularjs</a:t>
-            </a:r>
-            <a:r>
-              <a:rPr lang="es-ES" dirty="0"/>
-              <a:t>.org/</a:t>
-            </a:r>
-          </a:p>
-        </p:txBody>
-      </p:sp>
-    </p:spTree>
-    <p:extLst>
-      <p:ext uri="{BB962C8B-B14F-4D97-AF65-F5344CB8AC3E}">
-        <p14:creationId xmlns:p14="http://schemas.microsoft.com/office/powerpoint/2010/main" val="1220280399"/>
-      </p:ext>
-    </p:extLst>
-  </p:cSld>
-  <p:clrMapOvr>
-    <a:masterClrMapping/>
-  </p:clrMapOvr>
-  <p:timing>
-    <p:tnLst>
-      <p:par>
-        <p:cTn id="1" dur="indefinite" restart="never" nodeType="tmRoot">
-          <p:childTnLst>
-            <p:seq concurrent="1" nextAc="seek">
-              <p:cTn id="2" dur="indefinite" nodeType="mainSeq">
-                <p:childTnLst>
-                  <p:par>
-                    <p:cTn id="3" fill="hold">
-                      <p:stCondLst>
-                        <p:cond delay="indefinite"/>
-                      </p:stCondLst>
-                      <p:childTnLst>
-                        <p:par>
-                          <p:cTn id="4" fill="hold">
-                            <p:stCondLst>
-                              <p:cond delay="0"/>
-                            </p:stCondLst>
-                            <p:childTnLst>
-                              <p:par>
-                                <p:cTn id="5" presetID="53" presetClass="entr" presetSubtype="16" fill="hold" nodeType="clickEffect">
-                                  <p:stCondLst>
-                                    <p:cond delay="0"/>
-                                  </p:stCondLst>
-                                  <p:childTnLst>
-                                    <p:set>
-                                      <p:cBhvr>
-                                        <p:cTn id="6" dur="1" fill="hold">
-                                          <p:stCondLst>
-                                            <p:cond delay="0"/>
-                                          </p:stCondLst>
-                                        </p:cTn>
-                                        <p:tgtEl>
-                                          <p:spTgt spid="8"/>
-                                        </p:tgtEl>
-                                        <p:attrNameLst>
-                                          <p:attrName>style.visibility</p:attrName>
-                                        </p:attrNameLst>
-                                      </p:cBhvr>
-                                      <p:to>
-                                        <p:strVal val="visible"/>
-                                      </p:to>
-                                    </p:set>
-                                    <p:anim calcmode="lin" valueType="num">
-                                      <p:cBhvr>
-                                        <p:cTn id="7" dur="500" fill="hold"/>
-                                        <p:tgtEl>
-                                          <p:spTgt spid="8"/>
-                                        </p:tgtEl>
-                                        <p:attrNameLst>
-                                          <p:attrName>ppt_w</p:attrName>
-                                        </p:attrNameLst>
-                                      </p:cBhvr>
-                                      <p:tavLst>
-                                        <p:tav tm="0">
-                                          <p:val>
-                                            <p:fltVal val="0"/>
-                                          </p:val>
-                                        </p:tav>
-                                        <p:tav tm="100000">
-                                          <p:val>
-                                            <p:strVal val="#ppt_w"/>
-                                          </p:val>
-                                        </p:tav>
-                                      </p:tavLst>
-                                    </p:anim>
-                                    <p:anim calcmode="lin" valueType="num">
-                                      <p:cBhvr>
-                                        <p:cTn id="8" dur="500" fill="hold"/>
-                                        <p:tgtEl>
-                                          <p:spTgt spid="8"/>
-                                        </p:tgtEl>
-                                        <p:attrNameLst>
-                                          <p:attrName>ppt_h</p:attrName>
-                                        </p:attrNameLst>
-                                      </p:cBhvr>
-                                      <p:tavLst>
-                                        <p:tav tm="0">
-                                          <p:val>
-                                            <p:fltVal val="0"/>
-                                          </p:val>
-                                        </p:tav>
-                                        <p:tav tm="100000">
-                                          <p:val>
-                                            <p:strVal val="#ppt_h"/>
-                                          </p:val>
-                                        </p:tav>
-                                      </p:tavLst>
-                                    </p:anim>
-                                    <p:animEffect transition="in" filter="fade">
-                                      <p:cBhvr>
-                                        <p:cTn id="9" dur="500"/>
-                                        <p:tgtEl>
-                                          <p:spTgt spid="8"/>
-                                        </p:tgtEl>
-                                      </p:cBhvr>
-                                    </p:animEffect>
-                                  </p:childTnLst>
-                                </p:cTn>
-                              </p:par>
-                            </p:childTnLst>
-                          </p:cTn>
-                        </p:par>
-                      </p:childTnLst>
-                    </p:cTn>
-                  </p:par>
-                </p:childTnLst>
-              </p:cTn>
-              <p:prevCondLst>
-                <p:cond evt="onPrev" delay="0">
-                  <p:tgtEl>
-                    <p:sldTgt/>
-                  </p:tgtEl>
-                </p:cond>
-              </p:prevCondLst>
-              <p:nextCondLst>
-                <p:cond evt="onNext" delay="0">
-                  <p:tgtEl>
-                    <p:sldTgt/>
-                  </p:tgtEl>
-                </p:cond>
-              </p:nextCondLst>
-            </p:seq>
-          </p:childTnLst>
-        </p:cTn>
-      </p:par>
-    </p:tnLst>
-  </p:timing>
-</p:sld>
-</file>
-
 <file path=ppt/slides/slide2.xml><?xml version="1.0" encoding="utf-8"?>
 <p:sld xmlns:a="http://schemas.openxmlformats.org/drawingml/2006/main" xmlns:r="http://schemas.openxmlformats.org/officeDocument/2006/relationships" xmlns:p="http://schemas.openxmlformats.org/presentationml/2006/main">
   <p:cSld>
@@ -9843,6 +9829,126 @@
           </a:p>
         </p:txBody>
       </p:sp>
+      <p:sp>
+        <p:nvSpPr>
+          <p:cNvPr id="12" name="11 Marcador de contenido"/>
+          <p:cNvSpPr>
+            <a:spLocks noGrp="1"/>
+          </p:cNvSpPr>
+          <p:nvPr>
+            <p:ph sz="half" idx="2"/>
+          </p:nvPr>
+        </p:nvSpPr>
+        <p:spPr>
+          <a:xfrm>
+            <a:off x="733450" y="1844824"/>
+            <a:ext cx="7965132" cy="3286201"/>
+          </a:xfrm>
+        </p:spPr>
+        <p:txBody>
+          <a:bodyPr>
+            <a:normAutofit/>
+          </a:bodyPr>
+          <a:lstStyle/>
+          <a:p>
+            <a:pPr marL="0" indent="0" algn="just">
+              <a:buNone/>
+            </a:pPr>
+            <a:r>
+              <a:rPr lang="es-ES" sz="2000" i="0" dirty="0" smtClean="0"/>
+              <a:t>Angular.JS es un </a:t>
+            </a:r>
+            <a:r>
+              <a:rPr lang="es-ES" sz="2000" i="0" dirty="0" err="1" smtClean="0"/>
+              <a:t>framework</a:t>
+            </a:r>
+            <a:r>
+              <a:rPr lang="es-ES" sz="2000" i="0" dirty="0" smtClean="0"/>
+              <a:t> de </a:t>
+            </a:r>
+            <a:r>
+              <a:rPr lang="es-ES" sz="2000" i="0" dirty="0" err="1" smtClean="0"/>
+              <a:t>javascript</a:t>
+            </a:r>
+            <a:r>
+              <a:rPr lang="es-ES" sz="2000" i="0" dirty="0" smtClean="0"/>
+              <a:t> para el lado cliente creado por Google, su funcionamiento consiste en agregar etiquetas propias a las de </a:t>
+            </a:r>
+            <a:r>
+              <a:rPr lang="es-ES" sz="2000" i="0" dirty="0" err="1" smtClean="0"/>
+              <a:t>html</a:t>
+            </a:r>
+            <a:r>
+              <a:rPr lang="es-ES" sz="2000" i="0" dirty="0" smtClean="0"/>
+              <a:t> para </a:t>
+            </a:r>
+            <a:r>
+              <a:rPr lang="es-ES" sz="2000" i="0" dirty="0" smtClean="0"/>
+              <a:t>obtener</a:t>
+            </a:r>
+            <a:r>
+              <a:rPr lang="es-ES" sz="2000" i="0" dirty="0" smtClean="0"/>
+              <a:t> </a:t>
+            </a:r>
+            <a:r>
+              <a:rPr lang="es-ES" sz="2000" i="0" dirty="0" smtClean="0"/>
+              <a:t>diversas </a:t>
+            </a:r>
+            <a:r>
+              <a:rPr lang="es-ES" sz="2000" i="0" dirty="0" smtClean="0"/>
+              <a:t>funcionalidades (</a:t>
+            </a:r>
+            <a:r>
+              <a:rPr lang="es-ES" sz="2000" i="0" dirty="0" err="1" smtClean="0"/>
+              <a:t>loops</a:t>
+            </a:r>
+            <a:r>
+              <a:rPr lang="es-ES" sz="2000" i="0" dirty="0" smtClean="0"/>
+              <a:t>, validaciones, uso de modelos…), de esta manera conseguimos unas vistas mucho mas ricas, lo que nos ayuda a desarrollar mucho más rápido. </a:t>
+            </a:r>
+          </a:p>
+          <a:p>
+            <a:pPr marL="0" indent="0" algn="just">
+              <a:buNone/>
+            </a:pPr>
+            <a:endParaRPr lang="es-ES" sz="2000" i="0" dirty="0" smtClean="0"/>
+          </a:p>
+          <a:p>
+            <a:pPr marL="0" indent="0" algn="just">
+              <a:buNone/>
+            </a:pPr>
+            <a:r>
+              <a:rPr lang="es-ES" sz="2000" i="0" dirty="0" smtClean="0"/>
+              <a:t>Lo vemos  en funcionamiento con el </a:t>
+            </a:r>
+            <a:r>
+              <a:rPr lang="es-ES" sz="2000" i="0" dirty="0" smtClean="0"/>
+              <a:t>ejemplo </a:t>
+            </a:r>
+            <a:r>
+              <a:rPr lang="es-ES" sz="2000" i="0" dirty="0" smtClean="0"/>
+              <a:t>de mostrar </a:t>
+            </a:r>
+            <a:r>
+              <a:rPr lang="es-ES" sz="2000" i="0" dirty="0" err="1" smtClean="0"/>
+              <a:t>posts</a:t>
+            </a:r>
+            <a:r>
+              <a:rPr lang="es-ES" sz="2000" i="0" dirty="0" smtClean="0"/>
+              <a:t> </a:t>
+            </a:r>
+            <a:r>
+              <a:rPr lang="es-ES" sz="2000" i="0" dirty="0" err="1" smtClean="0"/>
+              <a:t>denuestra</a:t>
+            </a:r>
+            <a:r>
+              <a:rPr lang="es-ES" sz="2000" i="0" dirty="0" smtClean="0"/>
+              <a:t> aplicación</a:t>
+            </a:r>
+            <a:endParaRPr lang="es-ES" sz="2000" i="0" dirty="0"/>
+          </a:p>
+        </p:txBody>
+      </p:sp>
       <p:pic>
         <p:nvPicPr>
           <p:cNvPr id="8" name="Picture 3" descr="C:\Users\mcl\Desktop\documentacion de WUSIC\angular-js-preview1.jpg"/>
@@ -9920,195 +10026,10 @@
           </a:p>
         </p:txBody>
       </p:sp>
-      <p:sp>
-        <p:nvSpPr>
-          <p:cNvPr id="5" name="CuadroTexto 4"/>
-          <p:cNvSpPr txBox="1"/>
-          <p:nvPr/>
-        </p:nvSpPr>
-        <p:spPr>
-          <a:xfrm>
-            <a:off x="971100" y="3885576"/>
-            <a:ext cx="7777363" cy="2585323"/>
-          </a:xfrm>
-          <a:prstGeom prst="rect">
-            <a:avLst/>
-          </a:prstGeom>
-          <a:noFill/>
-        </p:spPr>
-        <p:txBody>
-          <a:bodyPr wrap="square" rtlCol="0">
-            <a:spAutoFit/>
-          </a:bodyPr>
-          <a:lstStyle/>
-          <a:p>
-            <a:pPr algn="just"/>
-            <a:r>
-              <a:rPr lang="es-ES" dirty="0" smtClean="0"/>
-              <a:t>Esta es nuestra función de obtener post en el controlador del </a:t>
-            </a:r>
-            <a:r>
-              <a:rPr lang="es-ES" dirty="0" err="1" smtClean="0"/>
-              <a:t>main</a:t>
-            </a:r>
-            <a:r>
-              <a:rPr lang="es-ES" dirty="0" smtClean="0"/>
-              <a:t> de angular, lo primero que hacemos es declarar la variable para almacenar los post </a:t>
-            </a:r>
-            <a:r>
-              <a:rPr lang="es-ES" b="1" dirty="0" smtClean="0"/>
-              <a:t>$</a:t>
-            </a:r>
-            <a:r>
-              <a:rPr lang="es-ES" b="1" dirty="0" err="1" smtClean="0"/>
-              <a:t>scope.posts</a:t>
-            </a:r>
-            <a:r>
-              <a:rPr lang="es-ES" dirty="0" smtClean="0"/>
-              <a:t>, después le decimos que haga una petición post a la ruta /post/</a:t>
-            </a:r>
-            <a:r>
-              <a:rPr lang="es-ES" dirty="0" err="1" smtClean="0"/>
-              <a:t>obtenerPost</a:t>
-            </a:r>
-            <a:r>
-              <a:rPr lang="es-ES" dirty="0" smtClean="0"/>
-              <a:t>/, ésta tiene que esta declarada correctamente en las rutas de la aplicación (routes.js) y llamar a una función de </a:t>
-            </a:r>
-            <a:r>
-              <a:rPr lang="es-ES" dirty="0" err="1" smtClean="0"/>
-              <a:t>node</a:t>
-            </a:r>
-            <a:r>
-              <a:rPr lang="es-ES" dirty="0"/>
-              <a:t>;</a:t>
-            </a:r>
-            <a:r>
-              <a:rPr lang="es-ES" dirty="0" smtClean="0"/>
-              <a:t> a esta llamada le concatenamos el id de usuario </a:t>
-            </a:r>
-            <a:r>
-              <a:rPr lang="es-ES" b="1" dirty="0" smtClean="0"/>
-              <a:t>$scope.id</a:t>
-            </a:r>
-            <a:r>
-              <a:rPr lang="es-ES" dirty="0" smtClean="0"/>
-              <a:t>, (sacado anteriormente de la variable de sesión), para que sepa de quien tiene que obtener los </a:t>
-            </a:r>
-            <a:r>
-              <a:rPr lang="es-ES" dirty="0" err="1" smtClean="0"/>
-              <a:t>posts</a:t>
-            </a:r>
-            <a:r>
-              <a:rPr lang="es-ES" dirty="0" smtClean="0"/>
-              <a:t>, y le decimos que si la llamada es satisfactoria (</a:t>
-            </a:r>
-            <a:r>
-              <a:rPr lang="es-ES" dirty="0" err="1" smtClean="0"/>
-              <a:t>success</a:t>
-            </a:r>
-            <a:r>
-              <a:rPr lang="es-ES" dirty="0" smtClean="0"/>
-              <a:t>), guarde los </a:t>
-            </a:r>
-            <a:r>
-              <a:rPr lang="es-ES" dirty="0" err="1" smtClean="0"/>
-              <a:t>posts</a:t>
-            </a:r>
-            <a:r>
-              <a:rPr lang="es-ES" dirty="0" smtClean="0"/>
-              <a:t> (</a:t>
-            </a:r>
-            <a:r>
-              <a:rPr lang="es-ES" b="1" dirty="0" smtClean="0"/>
-              <a:t>data</a:t>
-            </a:r>
-            <a:r>
-              <a:rPr lang="es-ES" dirty="0" smtClean="0"/>
-              <a:t>), en la variable </a:t>
-            </a:r>
-            <a:r>
-              <a:rPr lang="es-ES" b="1" dirty="0" smtClean="0"/>
-              <a:t>$</a:t>
-            </a:r>
-            <a:r>
-              <a:rPr lang="es-ES" b="1" dirty="0" err="1" smtClean="0"/>
-              <a:t>scope.post</a:t>
-            </a:r>
-            <a:endParaRPr lang="es-ES" b="1" dirty="0"/>
-          </a:p>
-        </p:txBody>
-      </p:sp>
-      <p:pic>
-        <p:nvPicPr>
-          <p:cNvPr id="14" name="Imagen 13"/>
-          <p:cNvPicPr>
-            <a:picLocks noChangeAspect="1"/>
-          </p:cNvPicPr>
-          <p:nvPr/>
-        </p:nvPicPr>
-        <p:blipFill>
-          <a:blip r:embed="rId3"/>
-          <a:stretch>
-            <a:fillRect/>
-          </a:stretch>
-        </p:blipFill>
-        <p:spPr>
-          <a:xfrm>
-            <a:off x="968070" y="1137854"/>
-            <a:ext cx="4881858" cy="2562368"/>
-          </a:xfrm>
-          <a:prstGeom prst="rect">
-            <a:avLst/>
-          </a:prstGeom>
-        </p:spPr>
-      </p:pic>
-      <p:sp>
-        <p:nvSpPr>
-          <p:cNvPr id="4" name="CuadroTexto 3"/>
-          <p:cNvSpPr txBox="1"/>
-          <p:nvPr/>
-        </p:nvSpPr>
-        <p:spPr>
-          <a:xfrm>
-            <a:off x="5852959" y="1466951"/>
-            <a:ext cx="3168352" cy="646331"/>
-          </a:xfrm>
-          <a:prstGeom prst="rect">
-            <a:avLst/>
-          </a:prstGeom>
-          <a:noFill/>
-        </p:spPr>
-        <p:txBody>
-          <a:bodyPr wrap="square" rtlCol="0">
-            <a:spAutoFit/>
-          </a:bodyPr>
-          <a:lstStyle/>
-          <a:p>
-            <a:r>
-              <a:rPr lang="es-ES" dirty="0" smtClean="0"/>
-              <a:t>scripts/</a:t>
-            </a:r>
-            <a:r>
-              <a:rPr lang="es-ES" dirty="0" err="1" smtClean="0"/>
-              <a:t>controllers</a:t>
-            </a:r>
-            <a:r>
-              <a:rPr lang="es-ES" dirty="0" smtClean="0"/>
-              <a:t>/contollers.js -&gt; </a:t>
-            </a:r>
-            <a:r>
-              <a:rPr lang="es-ES" dirty="0" err="1" smtClean="0"/>
-              <a:t>mainCtrl</a:t>
-            </a:r>
-            <a:endParaRPr lang="es-ES" dirty="0"/>
-          </a:p>
-        </p:txBody>
-      </p:sp>
     </p:spTree>
     <p:extLst>
       <p:ext uri="{BB962C8B-B14F-4D97-AF65-F5344CB8AC3E}">
-        <p14:creationId xmlns:p14="http://schemas.microsoft.com/office/powerpoint/2010/main" val="2739671238"/>
+        <p14:creationId xmlns:p14="http://schemas.microsoft.com/office/powerpoint/2010/main" val="1220280399"/>
       </p:ext>
     </p:extLst>
   </p:cSld>
@@ -10332,6 +10253,495 @@
           </a:p>
         </p:txBody>
       </p:sp>
+      <p:pic>
+        <p:nvPicPr>
+          <p:cNvPr id="8" name="Picture 3" descr="C:\Users\mcl\Desktop\documentacion de WUSIC\angular-js-preview1.jpg"/>
+          <p:cNvPicPr>
+            <a:picLocks noChangeAspect="1" noChangeArrowheads="1"/>
+          </p:cNvPicPr>
+          <p:nvPr/>
+        </p:nvPicPr>
+        <p:blipFill>
+          <a:blip r:embed="rId2">
+            <a:extLst>
+              <a:ext uri="{28A0092B-C50C-407E-A947-70E740481C1C}">
+                <a14:useLocalDpi xmlns:a14="http://schemas.microsoft.com/office/drawing/2010/main" val="0"/>
+              </a:ext>
+            </a:extLst>
+          </a:blip>
+          <a:srcRect/>
+          <a:stretch>
+            <a:fillRect/>
+          </a:stretch>
+        </p:blipFill>
+        <p:spPr bwMode="auto">
+          <a:xfrm>
+            <a:off x="0" y="0"/>
+            <a:ext cx="952500" cy="952500"/>
+          </a:xfrm>
+          <a:prstGeom prst="rect">
+            <a:avLst/>
+          </a:prstGeom>
+          <a:noFill/>
+          <a:extLst>
+            <a:ext uri="{909E8E84-426E-40DD-AFC4-6F175D3DCCD1}">
+              <a14:hiddenFill xmlns:a14="http://schemas.microsoft.com/office/drawing/2010/main">
+                <a:solidFill>
+                  <a:srgbClr val="FFFFFF"/>
+                </a:solidFill>
+              </a14:hiddenFill>
+            </a:ext>
+          </a:extLst>
+        </p:spPr>
+      </p:pic>
+      <p:sp>
+        <p:nvSpPr>
+          <p:cNvPr id="2" name="1 Rectángulo"/>
+          <p:cNvSpPr/>
+          <p:nvPr/>
+        </p:nvSpPr>
+        <p:spPr>
+          <a:xfrm>
+            <a:off x="3059832" y="583168"/>
+            <a:ext cx="2241319" cy="369332"/>
+          </a:xfrm>
+          <a:prstGeom prst="rect">
+            <a:avLst/>
+          </a:prstGeom>
+        </p:spPr>
+        <p:txBody>
+          <a:bodyPr wrap="none">
+            <a:spAutoFit/>
+          </a:bodyPr>
+          <a:lstStyle/>
+          <a:p>
+            <a:r>
+              <a:rPr lang="es-ES" dirty="0"/>
+              <a:t>https://</a:t>
+            </a:r>
+            <a:r>
+              <a:rPr lang="es-ES" b="1" dirty="0"/>
+              <a:t>angularjs</a:t>
+            </a:r>
+            <a:r>
+              <a:rPr lang="es-ES" dirty="0"/>
+              <a:t>.org/</a:t>
+            </a:r>
+          </a:p>
+        </p:txBody>
+      </p:sp>
+      <p:sp>
+        <p:nvSpPr>
+          <p:cNvPr id="5" name="CuadroTexto 4"/>
+          <p:cNvSpPr txBox="1"/>
+          <p:nvPr/>
+        </p:nvSpPr>
+        <p:spPr>
+          <a:xfrm>
+            <a:off x="971100" y="3885576"/>
+            <a:ext cx="7777363" cy="2585323"/>
+          </a:xfrm>
+          <a:prstGeom prst="rect">
+            <a:avLst/>
+          </a:prstGeom>
+          <a:noFill/>
+        </p:spPr>
+        <p:txBody>
+          <a:bodyPr wrap="square" rtlCol="0">
+            <a:spAutoFit/>
+          </a:bodyPr>
+          <a:lstStyle/>
+          <a:p>
+            <a:pPr algn="just"/>
+            <a:r>
+              <a:rPr lang="es-ES" dirty="0" smtClean="0"/>
+              <a:t>Esta es nuestra función de obtener post en el controlador del </a:t>
+            </a:r>
+            <a:r>
+              <a:rPr lang="es-ES" dirty="0" err="1" smtClean="0"/>
+              <a:t>main</a:t>
+            </a:r>
+            <a:r>
+              <a:rPr lang="es-ES" dirty="0" smtClean="0"/>
+              <a:t> de angular, lo primero que hacemos es declarar la variable para almacenar los post </a:t>
+            </a:r>
+            <a:r>
+              <a:rPr lang="es-ES" b="1" dirty="0" smtClean="0"/>
+              <a:t>$</a:t>
+            </a:r>
+            <a:r>
+              <a:rPr lang="es-ES" b="1" dirty="0" err="1" smtClean="0"/>
+              <a:t>scope.posts</a:t>
+            </a:r>
+            <a:r>
+              <a:rPr lang="es-ES" dirty="0" smtClean="0"/>
+              <a:t>, después le decimos que haga una petición post a la ruta /post/</a:t>
+            </a:r>
+            <a:r>
+              <a:rPr lang="es-ES" dirty="0" err="1" smtClean="0"/>
+              <a:t>obtenerPost</a:t>
+            </a:r>
+            <a:r>
+              <a:rPr lang="es-ES" dirty="0" smtClean="0"/>
+              <a:t>/, ésta tiene que esta declarada correctamente en las rutas de la aplicación (routes.js) y llamar a una función de </a:t>
+            </a:r>
+            <a:r>
+              <a:rPr lang="es-ES" dirty="0" err="1" smtClean="0"/>
+              <a:t>node</a:t>
+            </a:r>
+            <a:r>
+              <a:rPr lang="es-ES" dirty="0"/>
+              <a:t>;</a:t>
+            </a:r>
+            <a:r>
+              <a:rPr lang="es-ES" dirty="0" smtClean="0"/>
+              <a:t> a esta llamada le concatenamos el id de usuario </a:t>
+            </a:r>
+            <a:r>
+              <a:rPr lang="es-ES" b="1" dirty="0" smtClean="0"/>
+              <a:t>$scope.id</a:t>
+            </a:r>
+            <a:r>
+              <a:rPr lang="es-ES" dirty="0" smtClean="0"/>
+              <a:t>, (sacado anteriormente de la variable de sesión), para que sepa de quien tiene que obtener los </a:t>
+            </a:r>
+            <a:r>
+              <a:rPr lang="es-ES" dirty="0" err="1" smtClean="0"/>
+              <a:t>posts</a:t>
+            </a:r>
+            <a:r>
+              <a:rPr lang="es-ES" dirty="0" smtClean="0"/>
+              <a:t>, y le decimos que si la llamada es satisfactoria (</a:t>
+            </a:r>
+            <a:r>
+              <a:rPr lang="es-ES" dirty="0" err="1" smtClean="0"/>
+              <a:t>success</a:t>
+            </a:r>
+            <a:r>
+              <a:rPr lang="es-ES" dirty="0" smtClean="0"/>
+              <a:t>), guarde los </a:t>
+            </a:r>
+            <a:r>
+              <a:rPr lang="es-ES" dirty="0" err="1" smtClean="0"/>
+              <a:t>posts</a:t>
+            </a:r>
+            <a:r>
+              <a:rPr lang="es-ES" dirty="0" smtClean="0"/>
+              <a:t> (</a:t>
+            </a:r>
+            <a:r>
+              <a:rPr lang="es-ES" b="1" dirty="0" smtClean="0"/>
+              <a:t>data</a:t>
+            </a:r>
+            <a:r>
+              <a:rPr lang="es-ES" dirty="0" smtClean="0"/>
+              <a:t>), en la variable </a:t>
+            </a:r>
+            <a:r>
+              <a:rPr lang="es-ES" b="1" dirty="0" smtClean="0"/>
+              <a:t>$</a:t>
+            </a:r>
+            <a:r>
+              <a:rPr lang="es-ES" b="1" dirty="0" err="1" smtClean="0"/>
+              <a:t>scope.post</a:t>
+            </a:r>
+            <a:endParaRPr lang="es-ES" b="1" dirty="0"/>
+          </a:p>
+        </p:txBody>
+      </p:sp>
+      <p:pic>
+        <p:nvPicPr>
+          <p:cNvPr id="14" name="Imagen 13"/>
+          <p:cNvPicPr>
+            <a:picLocks noChangeAspect="1"/>
+          </p:cNvPicPr>
+          <p:nvPr/>
+        </p:nvPicPr>
+        <p:blipFill>
+          <a:blip r:embed="rId3"/>
+          <a:stretch>
+            <a:fillRect/>
+          </a:stretch>
+        </p:blipFill>
+        <p:spPr>
+          <a:xfrm>
+            <a:off x="968070" y="1137854"/>
+            <a:ext cx="4881858" cy="2562368"/>
+          </a:xfrm>
+          <a:prstGeom prst="rect">
+            <a:avLst/>
+          </a:prstGeom>
+        </p:spPr>
+      </p:pic>
+      <p:sp>
+        <p:nvSpPr>
+          <p:cNvPr id="4" name="CuadroTexto 3"/>
+          <p:cNvSpPr txBox="1"/>
+          <p:nvPr/>
+        </p:nvSpPr>
+        <p:spPr>
+          <a:xfrm>
+            <a:off x="5852959" y="1466951"/>
+            <a:ext cx="3168352" cy="646331"/>
+          </a:xfrm>
+          <a:prstGeom prst="rect">
+            <a:avLst/>
+          </a:prstGeom>
+          <a:noFill/>
+        </p:spPr>
+        <p:txBody>
+          <a:bodyPr wrap="square" rtlCol="0">
+            <a:spAutoFit/>
+          </a:bodyPr>
+          <a:lstStyle/>
+          <a:p>
+            <a:r>
+              <a:rPr lang="es-ES" dirty="0" smtClean="0"/>
+              <a:t>scripts/</a:t>
+            </a:r>
+            <a:r>
+              <a:rPr lang="es-ES" dirty="0" err="1" smtClean="0"/>
+              <a:t>controllers</a:t>
+            </a:r>
+            <a:r>
+              <a:rPr lang="es-ES" dirty="0" smtClean="0"/>
+              <a:t>/contollers.js -&gt; </a:t>
+            </a:r>
+            <a:r>
+              <a:rPr lang="es-ES" dirty="0" err="1" smtClean="0"/>
+              <a:t>mainCtrl</a:t>
+            </a:r>
+            <a:endParaRPr lang="es-ES" dirty="0"/>
+          </a:p>
+        </p:txBody>
+      </p:sp>
+    </p:spTree>
+    <p:extLst>
+      <p:ext uri="{BB962C8B-B14F-4D97-AF65-F5344CB8AC3E}">
+        <p14:creationId xmlns:p14="http://schemas.microsoft.com/office/powerpoint/2010/main" val="2739671238"/>
+      </p:ext>
+    </p:extLst>
+  </p:cSld>
+  <p:clrMapOvr>
+    <a:masterClrMapping/>
+  </p:clrMapOvr>
+  <p:timing>
+    <p:tnLst>
+      <p:par>
+        <p:cTn id="1" dur="indefinite" restart="never" nodeType="tmRoot">
+          <p:childTnLst>
+            <p:seq concurrent="1" nextAc="seek">
+              <p:cTn id="2" dur="indefinite" nodeType="mainSeq">
+                <p:childTnLst>
+                  <p:par>
+                    <p:cTn id="3" fill="hold">
+                      <p:stCondLst>
+                        <p:cond delay="indefinite"/>
+                      </p:stCondLst>
+                      <p:childTnLst>
+                        <p:par>
+                          <p:cTn id="4" fill="hold">
+                            <p:stCondLst>
+                              <p:cond delay="0"/>
+                            </p:stCondLst>
+                            <p:childTnLst>
+                              <p:par>
+                                <p:cTn id="5" presetID="53" presetClass="entr" presetSubtype="16" fill="hold" nodeType="clickEffect">
+                                  <p:stCondLst>
+                                    <p:cond delay="0"/>
+                                  </p:stCondLst>
+                                  <p:childTnLst>
+                                    <p:set>
+                                      <p:cBhvr>
+                                        <p:cTn id="6" dur="1" fill="hold">
+                                          <p:stCondLst>
+                                            <p:cond delay="0"/>
+                                          </p:stCondLst>
+                                        </p:cTn>
+                                        <p:tgtEl>
+                                          <p:spTgt spid="8"/>
+                                        </p:tgtEl>
+                                        <p:attrNameLst>
+                                          <p:attrName>style.visibility</p:attrName>
+                                        </p:attrNameLst>
+                                      </p:cBhvr>
+                                      <p:to>
+                                        <p:strVal val="visible"/>
+                                      </p:to>
+                                    </p:set>
+                                    <p:anim calcmode="lin" valueType="num">
+                                      <p:cBhvr>
+                                        <p:cTn id="7" dur="500" fill="hold"/>
+                                        <p:tgtEl>
+                                          <p:spTgt spid="8"/>
+                                        </p:tgtEl>
+                                        <p:attrNameLst>
+                                          <p:attrName>ppt_w</p:attrName>
+                                        </p:attrNameLst>
+                                      </p:cBhvr>
+                                      <p:tavLst>
+                                        <p:tav tm="0">
+                                          <p:val>
+                                            <p:fltVal val="0"/>
+                                          </p:val>
+                                        </p:tav>
+                                        <p:tav tm="100000">
+                                          <p:val>
+                                            <p:strVal val="#ppt_w"/>
+                                          </p:val>
+                                        </p:tav>
+                                      </p:tavLst>
+                                    </p:anim>
+                                    <p:anim calcmode="lin" valueType="num">
+                                      <p:cBhvr>
+                                        <p:cTn id="8" dur="500" fill="hold"/>
+                                        <p:tgtEl>
+                                          <p:spTgt spid="8"/>
+                                        </p:tgtEl>
+                                        <p:attrNameLst>
+                                          <p:attrName>ppt_h</p:attrName>
+                                        </p:attrNameLst>
+                                      </p:cBhvr>
+                                      <p:tavLst>
+                                        <p:tav tm="0">
+                                          <p:val>
+                                            <p:fltVal val="0"/>
+                                          </p:val>
+                                        </p:tav>
+                                        <p:tav tm="100000">
+                                          <p:val>
+                                            <p:strVal val="#ppt_h"/>
+                                          </p:val>
+                                        </p:tav>
+                                      </p:tavLst>
+                                    </p:anim>
+                                    <p:animEffect transition="in" filter="fade">
+                                      <p:cBhvr>
+                                        <p:cTn id="9" dur="500"/>
+                                        <p:tgtEl>
+                                          <p:spTgt spid="8"/>
+                                        </p:tgtEl>
+                                      </p:cBhvr>
+                                    </p:animEffect>
+                                  </p:childTnLst>
+                                </p:cTn>
+                              </p:par>
+                            </p:childTnLst>
+                          </p:cTn>
+                        </p:par>
+                      </p:childTnLst>
+                    </p:cTn>
+                  </p:par>
+                </p:childTnLst>
+              </p:cTn>
+              <p:prevCondLst>
+                <p:cond evt="onPrev" delay="0">
+                  <p:tgtEl>
+                    <p:sldTgt/>
+                  </p:tgtEl>
+                </p:cond>
+              </p:prevCondLst>
+              <p:nextCondLst>
+                <p:cond evt="onNext" delay="0">
+                  <p:tgtEl>
+                    <p:sldTgt/>
+                  </p:tgtEl>
+                </p:cond>
+              </p:nextCondLst>
+            </p:seq>
+          </p:childTnLst>
+        </p:cTn>
+      </p:par>
+    </p:tnLst>
+  </p:timing>
+</p:sld>
+</file>
+
+<file path=ppt/slides/slide22.xml><?xml version="1.0" encoding="utf-8"?>
+<p:sld xmlns:a="http://schemas.openxmlformats.org/drawingml/2006/main" xmlns:r="http://schemas.openxmlformats.org/officeDocument/2006/relationships" xmlns:p="http://schemas.openxmlformats.org/presentationml/2006/main">
+  <p:cSld>
+    <p:spTree>
+      <p:nvGrpSpPr>
+        <p:cNvPr id="1" name=""/>
+        <p:cNvGrpSpPr/>
+        <p:nvPr/>
+      </p:nvGrpSpPr>
+      <p:grpSpPr>
+        <a:xfrm>
+          <a:off x="0" y="0"/>
+          <a:ext cx="0" cy="0"/>
+          <a:chOff x="0" y="0"/>
+          <a:chExt cx="0" cy="0"/>
+        </a:xfrm>
+      </p:grpSpPr>
+      <p:sp>
+        <p:nvSpPr>
+          <p:cNvPr id="10" name="9 Título"/>
+          <p:cNvSpPr>
+            <a:spLocks noGrp="1"/>
+          </p:cNvSpPr>
+          <p:nvPr>
+            <p:ph type="title"/>
+          </p:nvPr>
+        </p:nvSpPr>
+        <p:spPr>
+          <a:xfrm>
+            <a:off x="7884368" y="0"/>
+            <a:ext cx="1259632" cy="476250"/>
+          </a:xfrm>
+        </p:spPr>
+        <p:txBody>
+          <a:bodyPr>
+            <a:noAutofit/>
+          </a:bodyPr>
+          <a:lstStyle/>
+          <a:p>
+            <a:r>
+              <a:rPr lang="es-ES" sz="2000" dirty="0" err="1" smtClean="0">
+                <a:latin typeface="Lato Hairline" pitchFamily="34" charset="0"/>
+              </a:rPr>
+              <a:t>WusicK</a:t>
+            </a:r>
+            <a:endParaRPr lang="es-ES" sz="2000" dirty="0">
+              <a:latin typeface="Lato Hairline" pitchFamily="34" charset="0"/>
+            </a:endParaRPr>
+          </a:p>
+        </p:txBody>
+      </p:sp>
+      <p:sp>
+        <p:nvSpPr>
+          <p:cNvPr id="11" name="10 Marcador de texto"/>
+          <p:cNvSpPr>
+            <a:spLocks noGrp="1"/>
+          </p:cNvSpPr>
+          <p:nvPr>
+            <p:ph type="body" idx="1"/>
+          </p:nvPr>
+        </p:nvSpPr>
+        <p:spPr>
+          <a:xfrm>
+            <a:off x="3059832" y="0"/>
+            <a:ext cx="3312368" cy="611510"/>
+          </a:xfrm>
+        </p:spPr>
+        <p:txBody>
+          <a:bodyPr>
+            <a:noAutofit/>
+          </a:bodyPr>
+          <a:lstStyle/>
+          <a:p>
+            <a:r>
+              <a:rPr lang="es-ES" sz="3600" i="0" u="sng" dirty="0" smtClean="0">
+                <a:latin typeface="Lato Hairline" pitchFamily="34" charset="0"/>
+              </a:rPr>
+              <a:t>Angular.JS</a:t>
+            </a:r>
+            <a:endParaRPr lang="es-ES" sz="3600" i="0" u="sng" dirty="0">
+              <a:latin typeface="Lato Hairline" pitchFamily="34" charset="0"/>
+            </a:endParaRPr>
+          </a:p>
+        </p:txBody>
+      </p:sp>
       <p:sp>
         <p:nvSpPr>
           <p:cNvPr id="12" name="11 Marcador de contenido"/>
@@ -10736,7 +11146,7 @@
 </p:sld>
 </file>
 
-<file path=ppt/slides/slide22.xml><?xml version="1.0" encoding="utf-8"?>
+<file path=ppt/slides/slide23.xml><?xml version="1.0" encoding="utf-8"?>
 <p:sld xmlns:a="http://schemas.openxmlformats.org/drawingml/2006/main" xmlns:r="http://schemas.openxmlformats.org/officeDocument/2006/relationships" xmlns:p="http://schemas.openxmlformats.org/presentationml/2006/main">
   <p:cSld>
     <p:spTree>
@@ -11174,7 +11584,7 @@
 </p:sld>
 </file>
 
-<file path=ppt/slides/slide23.xml><?xml version="1.0" encoding="utf-8"?>
+<file path=ppt/slides/slide24.xml><?xml version="1.0" encoding="utf-8"?>
 <p:sld xmlns:a="http://schemas.openxmlformats.org/drawingml/2006/main" xmlns:r="http://schemas.openxmlformats.org/officeDocument/2006/relationships" xmlns:p="http://schemas.openxmlformats.org/presentationml/2006/main">
   <p:cSld>
     <p:spTree>
@@ -11734,7 +12144,7 @@
               <a:t> o el tentáculo, pero no existen redes sociales </a:t>
             </a:r>
             <a:r>
-              <a:rPr lang="es-ES" sz="2200" i="0" smtClean="0"/>
+              <a:rPr lang="es-ES" sz="2200" i="0" dirty="0" smtClean="0"/>
               <a:t>dedicadas exclusivamente </a:t>
             </a:r>
             <a:r>
@@ -19166,8 +19576,8 @@
         </p:nvSpPr>
         <p:spPr>
           <a:xfrm>
-            <a:off x="971600" y="1648568"/>
-            <a:ext cx="7488832" cy="4801314"/>
+            <a:off x="971600" y="1916832"/>
+            <a:ext cx="7488832" cy="3754874"/>
           </a:xfrm>
           <a:prstGeom prst="rect">
             <a:avLst/>
@@ -19182,80 +19592,72 @@
           <a:p>
             <a:pPr algn="just"/>
             <a:r>
-              <a:rPr lang="es-ES" dirty="0" smtClean="0"/>
-              <a:t>En un principio, pensamos desarrollar nuestra aplicación con J2EE, pero poco después empezamos a interesarnos por qué lenguajes estaban más a la vanguardia, eran más jóvenes, y estaban siendo más solicitados. Así fue como dimos con MEAN, e investigando acerca de él, resultó que se adaptaba a lo que podría necesitar una red social de cierta envergadura que tratara con </a:t>
-            </a:r>
-            <a:r>
-              <a:rPr lang="es-ES" dirty="0" err="1" smtClean="0"/>
+              <a:rPr lang="es-ES" sz="2000" dirty="0" smtClean="0"/>
+              <a:t>En un principio, pensamos desarrollar nuestra aplicación con J2EE, pero poco después empezamos a interesarnos por qué lenguajes estaban más a la vanguardia, eran más jóvenes, y estaban siendo más </a:t>
+            </a:r>
+            <a:r>
+              <a:rPr lang="es-ES" sz="2000" dirty="0" smtClean="0"/>
+              <a:t>demandados. </a:t>
+            </a:r>
+            <a:r>
+              <a:rPr lang="es-ES" sz="2000" dirty="0" smtClean="0"/>
+              <a:t>Así fue como dimos con </a:t>
+            </a:r>
+            <a:r>
+              <a:rPr lang="es-ES" sz="2000" b="1" dirty="0" smtClean="0"/>
+              <a:t>MEAN</a:t>
+            </a:r>
+            <a:r>
+              <a:rPr lang="es-ES" sz="2000" dirty="0" smtClean="0"/>
+              <a:t>, e investigando acerca de él, resultó que se adaptaba a lo que podría necesitar una red social de cierta </a:t>
+            </a:r>
+            <a:r>
+              <a:rPr lang="es-ES" sz="2000" dirty="0" smtClean="0"/>
+              <a:t>envergadura y </a:t>
+            </a:r>
+            <a:r>
+              <a:rPr lang="es-ES" sz="2000" dirty="0" smtClean="0"/>
+              <a:t>que tratara con </a:t>
+            </a:r>
+            <a:r>
+              <a:rPr lang="es-ES" sz="2000" dirty="0" err="1" smtClean="0"/>
               <a:t>big</a:t>
             </a:r>
             <a:r>
-              <a:rPr lang="es-ES" dirty="0" smtClean="0"/>
-              <a:t> data.</a:t>
+              <a:rPr lang="es-ES" sz="2000" dirty="0" smtClean="0"/>
+              <a:t> data</a:t>
+            </a:r>
+            <a:r>
+              <a:rPr lang="es-ES" sz="2000" dirty="0" smtClean="0"/>
+              <a:t>.</a:t>
             </a:r>
           </a:p>
           <a:p>
             <a:pPr algn="just"/>
-            <a:r>
-              <a:rPr lang="es-ES" dirty="0" smtClean="0"/>
-              <a:t>Big data, como su propio nombre indica se llama </a:t>
-            </a:r>
-            <a:r>
-              <a:rPr lang="es-ES" dirty="0"/>
+            <a:endParaRPr lang="es-ES" sz="2000" dirty="0" smtClean="0"/>
+          </a:p>
+          <a:p>
+            <a:pPr algn="just"/>
+            <a:r>
+              <a:rPr lang="es-ES" sz="2000" b="1" dirty="0" smtClean="0"/>
+              <a:t>Big data</a:t>
+            </a:r>
+            <a:r>
+              <a:rPr lang="es-ES" sz="2000" dirty="0" smtClean="0"/>
+              <a:t>, como su propio nombre indica se llama </a:t>
+            </a:r>
+            <a:r>
+              <a:rPr lang="es-ES" sz="2000" dirty="0"/>
               <a:t>al tratamiento y análisis de enormes repositorios de datos, tan desproporcionadamente grandes que resulta imposible tratarlos con las herramientas de bases de datos y analíticas convencionales</a:t>
             </a:r>
             <a:r>
-              <a:rPr lang="es-ES" dirty="0" smtClean="0"/>
+              <a:rPr lang="es-ES" sz="2000" dirty="0" smtClean="0"/>
               <a:t>.</a:t>
             </a:r>
           </a:p>
           <a:p>
             <a:pPr algn="just"/>
-            <a:r>
-              <a:rPr lang="es-ES" dirty="0" smtClean="0"/>
-              <a:t>MEAN nos ayuda con esto de varias maneras, con </a:t>
-            </a:r>
-            <a:r>
-              <a:rPr lang="es-ES" b="1" dirty="0" err="1" smtClean="0"/>
-              <a:t>MongoDB</a:t>
-            </a:r>
-            <a:r>
-              <a:rPr lang="es-ES" dirty="0" smtClean="0"/>
-              <a:t> (aunque no lo utilicemos, luego explicaremos porque), aumentamos las velocidades de consulta, esto se logra porque la información se guarda a través de documentos en formato JSON. Con </a:t>
-            </a:r>
-            <a:r>
-              <a:rPr lang="es-ES" b="1" dirty="0" err="1" smtClean="0"/>
-              <a:t>Node</a:t>
-            </a:r>
-            <a:r>
-              <a:rPr lang="es-ES" dirty="0" smtClean="0"/>
-              <a:t>, conseguimos mucha más capacidad de concurrencia en las conexiones, y, utilizando todos ellos, desarrollamos de manera </a:t>
-            </a:r>
-            <a:r>
-              <a:rPr lang="es-ES" b="1" dirty="0" err="1" smtClean="0"/>
-              <a:t>end</a:t>
-            </a:r>
-            <a:r>
-              <a:rPr lang="es-ES" b="1" dirty="0" smtClean="0"/>
-              <a:t>-to-</a:t>
-            </a:r>
-            <a:r>
-              <a:rPr lang="es-ES" b="1" dirty="0" err="1" smtClean="0"/>
-              <a:t>end</a:t>
-            </a:r>
-            <a:r>
-              <a:rPr lang="es-ES" dirty="0" smtClean="0"/>
-              <a:t>, es decir, utilizando el mismo lenguaje de programación (</a:t>
-            </a:r>
-            <a:r>
-              <a:rPr lang="es-ES" dirty="0" err="1" smtClean="0"/>
-              <a:t>javascript</a:t>
-            </a:r>
-            <a:r>
-              <a:rPr lang="es-ES" dirty="0" smtClean="0"/>
-              <a:t>) en todos los niveles.</a:t>
-            </a:r>
-            <a:endParaRPr lang="es-ES" dirty="0"/>
+            <a:endParaRPr lang="es-ES" dirty="0" smtClean="0"/>
           </a:p>
         </p:txBody>
       </p:sp>
@@ -19453,16 +19855,16 @@
           <a:lstStyle/>
           <a:p>
             <a:r>
-              <a:rPr lang="es-ES" sz="3600" i="0" u="sng" dirty="0" err="1">
+              <a:rPr lang="es-ES" sz="3600" i="0" u="sng" dirty="0" smtClean="0">
                 <a:latin typeface="Lato Hairline" pitchFamily="34" charset="0"/>
               </a:rPr>
-              <a:t>m</a:t>
+              <a:t>MEAN </a:t>
             </a:r>
             <a:r>
               <a:rPr lang="es-ES" sz="3600" i="0" u="sng" dirty="0" err="1" smtClean="0">
                 <a:latin typeface="Lato Hairline" pitchFamily="34" charset="0"/>
               </a:rPr>
-              <a:t>ongoDB</a:t>
+              <a:t>stack</a:t>
             </a:r>
             <a:endParaRPr lang="es-ES" sz="3600" i="0" u="sng" dirty="0">
               <a:latin typeface="Lato Hairline" pitchFamily="34" charset="0"/>
@@ -19478,38 +19880,136 @@
         </p:nvSpPr>
         <p:spPr>
           <a:xfrm>
-            <a:off x="2880910" y="596545"/>
-            <a:ext cx="2854436" cy="369332"/>
+            <a:off x="3275856" y="611510"/>
+            <a:ext cx="2160240" cy="369332"/>
           </a:xfrm>
           <a:prstGeom prst="rect">
             <a:avLst/>
           </a:prstGeom>
         </p:spPr>
         <p:txBody>
-          <a:bodyPr wrap="none">
+          <a:bodyPr wrap="square">
             <a:spAutoFit/>
           </a:bodyPr>
           <a:lstStyle/>
           <a:p>
             <a:r>
+              <a:rPr lang="es-ES" dirty="0"/>
+              <a:t>https</a:t>
+            </a:r>
+            <a:r>
               <a:rPr lang="es-ES" dirty="0" smtClean="0"/>
-              <a:t>http</a:t>
-            </a:r>
-            <a:r>
-              <a:rPr lang="es-ES" dirty="0"/>
-              <a:t>://www.</a:t>
-            </a:r>
-            <a:r>
-              <a:rPr lang="es-ES" b="1" dirty="0"/>
-              <a:t>mongodb</a:t>
-            </a:r>
-            <a:r>
-              <a:rPr lang="es-ES" dirty="0"/>
-              <a:t>.org</a:t>
+              <a:t>://</a:t>
+            </a:r>
+            <a:r>
+              <a:rPr lang="es-ES" b="1" dirty="0" smtClean="0"/>
+              <a:t>mean.</a:t>
             </a:r>
             <a:r>
               <a:rPr lang="es-ES" dirty="0" smtClean="0"/>
-              <a:t>/</a:t>
+              <a:t>io/#!/</a:t>
+            </a:r>
+            <a:endParaRPr lang="es-ES" dirty="0"/>
+          </a:p>
+        </p:txBody>
+      </p:sp>
+      <p:sp>
+        <p:nvSpPr>
+          <p:cNvPr id="12" name="Título 1"/>
+          <p:cNvSpPr txBox="1">
+            <a:spLocks/>
+          </p:cNvSpPr>
+          <p:nvPr/>
+        </p:nvSpPr>
+        <p:spPr>
+          <a:xfrm>
+            <a:off x="971600" y="1061416"/>
+            <a:ext cx="2782080" cy="587152"/>
+          </a:xfrm>
+          <a:prstGeom prst="rect">
+            <a:avLst/>
+          </a:prstGeom>
+        </p:spPr>
+        <p:txBody>
+          <a:bodyPr vert="horz" lIns="91440" tIns="45720" rIns="91440" bIns="45720" rtlCol="0" anchor="t">
+            <a:normAutofit/>
+          </a:bodyPr>
+          <a:lstStyle>
+            <a:lvl1pPr algn="l" defTabSz="914400" rtl="0" eaLnBrk="1" latinLnBrk="0" hangingPunct="1">
+              <a:spcBef>
+                <a:spcPct val="0"/>
+              </a:spcBef>
+              <a:buNone/>
+              <a:defRPr sz="1800" kern="1200" cap="all" baseline="0">
+                <a:solidFill>
+                  <a:schemeClr val="tx1"/>
+                </a:solidFill>
+                <a:latin typeface="+mj-lt"/>
+                <a:ea typeface="+mj-ea"/>
+                <a:cs typeface="+mj-cs"/>
+              </a:defRPr>
+            </a:lvl1pPr>
+            <a:lvl2pPr eaLnBrk="1" hangingPunct="1">
+              <a:defRPr>
+                <a:solidFill>
+                  <a:schemeClr val="tx2"/>
+                </a:solidFill>
+              </a:defRPr>
+            </a:lvl2pPr>
+            <a:lvl3pPr eaLnBrk="1" hangingPunct="1">
+              <a:defRPr>
+                <a:solidFill>
+                  <a:schemeClr val="tx2"/>
+                </a:solidFill>
+              </a:defRPr>
+            </a:lvl3pPr>
+            <a:lvl4pPr eaLnBrk="1" hangingPunct="1">
+              <a:defRPr>
+                <a:solidFill>
+                  <a:schemeClr val="tx2"/>
+                </a:solidFill>
+              </a:defRPr>
+            </a:lvl4pPr>
+            <a:lvl5pPr eaLnBrk="1" hangingPunct="1">
+              <a:defRPr>
+                <a:solidFill>
+                  <a:schemeClr val="tx2"/>
+                </a:solidFill>
+              </a:defRPr>
+            </a:lvl5pPr>
+            <a:lvl6pPr eaLnBrk="1" hangingPunct="1">
+              <a:defRPr>
+                <a:solidFill>
+                  <a:schemeClr val="tx2"/>
+                </a:solidFill>
+              </a:defRPr>
+            </a:lvl6pPr>
+            <a:lvl7pPr eaLnBrk="1" hangingPunct="1">
+              <a:defRPr>
+                <a:solidFill>
+                  <a:schemeClr val="tx2"/>
+                </a:solidFill>
+              </a:defRPr>
+            </a:lvl7pPr>
+            <a:lvl8pPr eaLnBrk="1" hangingPunct="1">
+              <a:defRPr>
+                <a:solidFill>
+                  <a:schemeClr val="tx2"/>
+                </a:solidFill>
+              </a:defRPr>
+            </a:lvl8pPr>
+            <a:lvl9pPr eaLnBrk="1" hangingPunct="1">
+              <a:defRPr>
+                <a:solidFill>
+                  <a:schemeClr val="tx2"/>
+                </a:solidFill>
+              </a:defRPr>
+            </a:lvl9pPr>
+          </a:lstStyle>
+          <a:p>
+            <a:r>
+              <a:rPr lang="es-ES" dirty="0" smtClean="0"/>
+              <a:t>¿Por qué MEAN?</a:t>
             </a:r>
             <a:endParaRPr lang="es-ES" dirty="0"/>
           </a:p>
@@ -19523,8 +20023,8 @@
         </p:nvSpPr>
         <p:spPr>
           <a:xfrm>
-            <a:off x="809328" y="1289242"/>
-            <a:ext cx="7704856" cy="2031325"/>
+            <a:off x="971600" y="1916832"/>
+            <a:ext cx="7488832" cy="4370427"/>
           </a:xfrm>
           <a:prstGeom prst="rect">
             <a:avLst/>
@@ -19539,71 +20039,134 @@
           <a:p>
             <a:pPr algn="just"/>
             <a:r>
-              <a:rPr lang="es-ES" dirty="0"/>
-              <a:t>E</a:t>
-            </a:r>
-            <a:r>
-              <a:rPr lang="es-ES" dirty="0" smtClean="0"/>
-              <a:t>s </a:t>
-            </a:r>
-            <a:r>
-              <a:rPr lang="es-ES" dirty="0"/>
-              <a:t>una base de datos no relacional (</a:t>
-            </a:r>
-            <a:r>
-              <a:rPr lang="es-ES" b="1" dirty="0" err="1"/>
-              <a:t>NoSQL</a:t>
-            </a:r>
-            <a:r>
-              <a:rPr lang="es-ES" dirty="0" smtClean="0"/>
-              <a:t>) </a:t>
-            </a:r>
-            <a:r>
-              <a:rPr lang="es-ES" dirty="0"/>
-              <a:t>de código abierto que guarda los datos en documentos tipo </a:t>
-            </a:r>
-            <a:r>
-              <a:rPr lang="es-ES" b="1" dirty="0"/>
-              <a:t>JSON</a:t>
-            </a:r>
-            <a:r>
-              <a:rPr lang="es-ES" dirty="0"/>
-              <a:t> (JavaScript </a:t>
-            </a:r>
-            <a:r>
-              <a:rPr lang="es-ES" dirty="0" err="1"/>
-              <a:t>Object</a:t>
-            </a:r>
-            <a:r>
-              <a:rPr lang="es-ES" dirty="0"/>
+              <a:rPr lang="es-ES" sz="2000" dirty="0"/>
+              <a:t>MEAN nos ayuda con esto de varias </a:t>
+            </a:r>
+            <a:r>
+              <a:rPr lang="es-ES" sz="2000" dirty="0" smtClean="0"/>
+              <a:t>maneras:</a:t>
+            </a:r>
+          </a:p>
+          <a:p>
+            <a:pPr algn="just"/>
+            <a:r>
+              <a:rPr lang="es-ES" sz="2000" dirty="0" smtClean="0"/>
               <a:t> </a:t>
             </a:r>
             <a:r>
-              <a:rPr lang="es-ES" dirty="0" err="1"/>
-              <a:t>Notation</a:t>
-            </a:r>
-            <a:r>
-              <a:rPr lang="es-ES" dirty="0" smtClean="0"/>
-              <a:t>) (orientada a documentos) </a:t>
-            </a:r>
-            <a:r>
-              <a:rPr lang="es-ES" dirty="0"/>
-              <a:t> pero en forma binaria (BSON) para hacer la integración de una manera más rápida. Se pueden ejecutar operaciones en JavaScript en su consola en  lugar de consultas SQL. Además tiene una gran integración con Node.js con los  driver propio y con </a:t>
-            </a:r>
-            <a:r>
-              <a:rPr lang="es-ES" dirty="0" err="1"/>
-              <a:t>Mongoose</a:t>
-            </a:r>
-            <a:r>
-              <a:rPr lang="es-ES" dirty="0"/>
-              <a:t>. Debido a su flexibilidad es muy escalable y ayuda al desarrollo ágil de proyectos web.</a:t>
-            </a:r>
+              <a:rPr lang="es-ES" sz="2000" dirty="0"/>
+              <a:t>con </a:t>
+            </a:r>
+            <a:r>
+              <a:rPr lang="es-ES" sz="2000" b="1" dirty="0" err="1"/>
+              <a:t>MongoDB</a:t>
+            </a:r>
+            <a:r>
+              <a:rPr lang="es-ES" sz="2000" dirty="0"/>
+              <a:t> (aunque no lo utilicemos, luego explicaremos porque), aumentamos las velocidades de consulta, esto se logra porque la información se guarda a través de documentos en formato JSON. </a:t>
+            </a:r>
+            <a:endParaRPr lang="es-ES" sz="2000" dirty="0" smtClean="0"/>
+          </a:p>
+          <a:p>
+            <a:pPr algn="just"/>
+            <a:r>
+              <a:rPr lang="es-ES" sz="2000" dirty="0" smtClean="0"/>
+              <a:t>Con </a:t>
+            </a:r>
+            <a:r>
+              <a:rPr lang="es-ES" sz="2000" b="1" dirty="0" err="1"/>
+              <a:t>Node</a:t>
+            </a:r>
+            <a:r>
+              <a:rPr lang="es-ES" sz="2000" dirty="0"/>
+              <a:t>, conseguimos mucha más capacidad de concurrencia en las </a:t>
+            </a:r>
+            <a:r>
+              <a:rPr lang="es-ES" sz="2000" dirty="0" smtClean="0"/>
+              <a:t>conexiones. </a:t>
+            </a:r>
+          </a:p>
+          <a:p>
+            <a:pPr algn="just"/>
+            <a:r>
+              <a:rPr lang="es-ES" sz="2000" dirty="0"/>
+              <a:t>U</a:t>
+            </a:r>
+            <a:r>
+              <a:rPr lang="es-ES" sz="2000" dirty="0" smtClean="0"/>
+              <a:t>tilizando </a:t>
+            </a:r>
+            <a:r>
+              <a:rPr lang="es-ES" sz="2000" dirty="0"/>
+              <a:t>todos ellos, desarrollamos de manera </a:t>
+            </a:r>
+            <a:r>
+              <a:rPr lang="es-ES" sz="2000" b="1" dirty="0" err="1"/>
+              <a:t>end</a:t>
+            </a:r>
+            <a:r>
+              <a:rPr lang="es-ES" sz="2000" b="1" dirty="0"/>
+              <a:t>-to-</a:t>
+            </a:r>
+            <a:r>
+              <a:rPr lang="es-ES" sz="2000" b="1" dirty="0" err="1"/>
+              <a:t>end</a:t>
+            </a:r>
+            <a:r>
+              <a:rPr lang="es-ES" sz="2000" dirty="0"/>
+              <a:t>, es decir, utilizando el mismo lenguaje de programación (</a:t>
+            </a:r>
+            <a:r>
+              <a:rPr lang="es-ES" sz="2000" dirty="0" err="1"/>
+              <a:t>javascript</a:t>
+            </a:r>
+            <a:r>
+              <a:rPr lang="es-ES" sz="2000" dirty="0"/>
+              <a:t>) en todos los </a:t>
+            </a:r>
+            <a:r>
+              <a:rPr lang="es-ES" sz="2000" dirty="0" smtClean="0"/>
+              <a:t>niveles, además, conseguiremos también lo que se conoce como </a:t>
+            </a:r>
+            <a:r>
+              <a:rPr lang="es-ES" sz="2000" b="1" dirty="0" err="1" smtClean="0"/>
+              <a:t>three</a:t>
+            </a:r>
+            <a:r>
+              <a:rPr lang="es-ES" sz="2000" b="1" dirty="0" smtClean="0"/>
+              <a:t> </a:t>
+            </a:r>
+            <a:r>
+              <a:rPr lang="es-ES" sz="2000" b="1" dirty="0" err="1" smtClean="0"/>
+              <a:t>way</a:t>
+            </a:r>
+            <a:r>
+              <a:rPr lang="es-ES" sz="2000" b="1" dirty="0" smtClean="0"/>
+              <a:t> </a:t>
+            </a:r>
+            <a:r>
+              <a:rPr lang="es-ES" sz="2000" b="1" dirty="0"/>
+              <a:t>data </a:t>
+            </a:r>
+            <a:r>
+              <a:rPr lang="es-ES" sz="2000" b="1" dirty="0" err="1" smtClean="0"/>
+              <a:t>binding</a:t>
+            </a:r>
+            <a:r>
+              <a:rPr lang="es-ES" sz="2000" dirty="0" smtClean="0"/>
+              <a:t>, es decir, que cualquier cambio en los datos, se reflejará automáticamente en nuestro cliente sin necesidad de refrescar siquiera.</a:t>
+            </a:r>
+            <a:endParaRPr lang="es-ES" sz="2000" dirty="0"/>
+          </a:p>
+          <a:p>
+            <a:pPr algn="just"/>
+            <a:endParaRPr lang="es-ES" dirty="0" smtClean="0"/>
           </a:p>
         </p:txBody>
       </p:sp>
       <p:pic>
         <p:nvPicPr>
-          <p:cNvPr id="12" name="Imagen 11"/>
+          <p:cNvPr id="13" name="Imagen 12"/>
           <p:cNvPicPr>
             <a:picLocks noChangeAspect="1"/>
           </p:cNvPicPr>
@@ -19618,84 +20181,17 @@
         <p:spPr>
           <a:xfrm>
             <a:off x="0" y="1"/>
-            <a:ext cx="1869445" cy="692696"/>
+            <a:ext cx="1528431" cy="476250"/>
           </a:xfrm>
           <a:prstGeom prst="rect">
             <a:avLst/>
           </a:prstGeom>
         </p:spPr>
       </p:pic>
-      <p:pic>
-        <p:nvPicPr>
-          <p:cNvPr id="4" name="Imagen 3"/>
-          <p:cNvPicPr>
-            <a:picLocks noChangeAspect="1"/>
-          </p:cNvPicPr>
-          <p:nvPr/>
-        </p:nvPicPr>
-        <p:blipFill>
-          <a:blip r:embed="rId3"/>
-          <a:stretch>
-            <a:fillRect/>
-          </a:stretch>
-        </p:blipFill>
-        <p:spPr>
-          <a:xfrm>
-            <a:off x="2871365" y="3320567"/>
-            <a:ext cx="3343275" cy="2495550"/>
-          </a:xfrm>
-          <a:prstGeom prst="rect">
-            <a:avLst/>
-          </a:prstGeom>
-        </p:spPr>
-      </p:pic>
-      <p:sp>
-        <p:nvSpPr>
-          <p:cNvPr id="13" name="CuadroTexto 12"/>
-          <p:cNvSpPr txBox="1"/>
-          <p:nvPr/>
-        </p:nvSpPr>
-        <p:spPr>
-          <a:xfrm>
-            <a:off x="934722" y="5816117"/>
-            <a:ext cx="7704856" cy="646331"/>
-          </a:xfrm>
-          <a:prstGeom prst="rect">
-            <a:avLst/>
-          </a:prstGeom>
-          <a:noFill/>
-        </p:spPr>
-        <p:txBody>
-          <a:bodyPr wrap="square" rtlCol="0">
-            <a:spAutoFit/>
-          </a:bodyPr>
-          <a:lstStyle/>
-          <a:p>
-            <a:pPr algn="just"/>
-            <a:r>
-              <a:rPr lang="es-ES" dirty="0" smtClean="0"/>
-              <a:t>En nuestro caso no hemos utilizado </a:t>
-            </a:r>
-            <a:r>
-              <a:rPr lang="es-ES" dirty="0" err="1" smtClean="0"/>
-              <a:t>MongoDB</a:t>
-            </a:r>
-            <a:r>
-              <a:rPr lang="es-ES" dirty="0" smtClean="0"/>
-              <a:t> (aunque hubiera sido lo ideal) porque teníamos la base da datos creada prácticamente completa en </a:t>
-            </a:r>
-            <a:r>
-              <a:rPr lang="es-ES" dirty="0" err="1" smtClean="0"/>
-              <a:t>MySQL</a:t>
-            </a:r>
-            <a:endParaRPr lang="es-ES" dirty="0"/>
-          </a:p>
-        </p:txBody>
-      </p:sp>
     </p:spTree>
     <p:extLst>
       <p:ext uri="{BB962C8B-B14F-4D97-AF65-F5344CB8AC3E}">
-        <p14:creationId xmlns:p14="http://schemas.microsoft.com/office/powerpoint/2010/main" val="2480145824"/>
+        <p14:creationId xmlns:p14="http://schemas.microsoft.com/office/powerpoint/2010/main" val="1656895760"/>
       </p:ext>
     </p:extLst>
   </p:cSld>
@@ -19723,7 +20219,7 @@
                             </p:stCondLst>
                             <p:childTnLst>
                               <p:par>
-                                <p:cTn id="5" presetID="16" presetClass="entr" presetSubtype="21" fill="hold" nodeType="clickEffect">
+                                <p:cTn id="5" presetID="14" presetClass="entr" presetSubtype="10" fill="hold" nodeType="clickEffect">
                                   <p:stCondLst>
                                     <p:cond delay="0"/>
                                   </p:stCondLst>
@@ -19736,7 +20232,7 @@
                                           </p:stCondLst>
                                         </p:cTn>
                                         <p:tgtEl>
-                                          <p:spTgt spid="12"/>
+                                          <p:spTgt spid="13"/>
                                         </p:tgtEl>
                                         <p:attrNameLst>
                                           <p:attrName>style.visibility</p:attrName>
@@ -19746,11 +20242,11 @@
                                         <p:strVal val="visible"/>
                                       </p:to>
                                     </p:set>
-                                    <p:animEffect transition="in" filter="barn(inVertical)">
+                                    <p:animEffect transition="in" filter="randombar(horizontal)">
                                       <p:cBhvr>
                                         <p:cTn id="7" dur="500"/>
                                         <p:tgtEl>
-                                          <p:spTgt spid="12"/>
+                                          <p:spTgt spid="13"/>
                                         </p:tgtEl>
                                       </p:cBhvr>
                                     </p:animEffect>
